--- a/Vendor_Boards/Microchip_PICDEM 2 plus_board_2010/tutorials/GCBASIC_Part10_EEPROM_ops.pptx
+++ b/Vendor_Boards/Microchip_PICDEM 2 plus_board_2010/tutorials/GCBASIC_Part10_EEPROM_ops.pptx
@@ -11,23 +11,23 @@
     <p:handoutMasterId r:id="rId20"/>
   </p:handoutMasterIdLst>
   <p:sldIdLst>
-    <p:sldId id="294" r:id="rId2"/>
-    <p:sldId id="256" r:id="rId3"/>
-    <p:sldId id="295" r:id="rId4"/>
-    <p:sldId id="283" r:id="rId5"/>
-    <p:sldId id="296" r:id="rId6"/>
-    <p:sldId id="282" r:id="rId7"/>
-    <p:sldId id="291" r:id="rId8"/>
-    <p:sldId id="285" r:id="rId9"/>
-    <p:sldId id="336" r:id="rId10"/>
+    <p:sldId id="342" r:id="rId2"/>
+    <p:sldId id="343" r:id="rId3"/>
+    <p:sldId id="344" r:id="rId4"/>
+    <p:sldId id="345" r:id="rId5"/>
+    <p:sldId id="346" r:id="rId6"/>
+    <p:sldId id="347" r:id="rId7"/>
+    <p:sldId id="348" r:id="rId8"/>
+    <p:sldId id="349" r:id="rId9"/>
+    <p:sldId id="350" r:id="rId10"/>
     <p:sldId id="337" r:id="rId11"/>
     <p:sldId id="338" r:id="rId12"/>
     <p:sldId id="339" r:id="rId13"/>
     <p:sldId id="340" r:id="rId14"/>
     <p:sldId id="341" r:id="rId15"/>
     <p:sldId id="288" r:id="rId16"/>
-    <p:sldId id="330" r:id="rId17"/>
-    <p:sldId id="327" r:id="rId18"/>
+    <p:sldId id="352" r:id="rId17"/>
+    <p:sldId id="351" r:id="rId18"/>
   </p:sldIdLst>
   <p:sldSz cx="9144000" cy="5143500" type="screen16x9"/>
   <p:notesSz cx="6858000" cy="9144000"/>
@@ -212,7 +212,7 @@
             <a:fld id="{742E545A-AB39-44F0-B5A6-04A90C6C9399}" type="datetimeFigureOut">
               <a:rPr lang="en-GB" smtClean="0"/>
               <a:pPr/>
-              <a:t>24/11/2024</a:t>
+              <a:t>26/01/2025</a:t>
             </a:fld>
             <a:endParaRPr lang="en-GB" dirty="0"/>
           </a:p>
@@ -379,7 +379,7 @@
             <a:fld id="{FF100B3C-2E11-428B-8555-A77018253716}" type="datetimeFigureOut">
               <a:rPr lang="en-GB" smtClean="0"/>
               <a:pPr/>
-              <a:t>24/11/2024</a:t>
+              <a:t>26/01/2025</a:t>
             </a:fld>
             <a:endParaRPr lang="en-GB" dirty="0"/>
           </a:p>
@@ -1294,7 +1294,7 @@
             <a:fld id="{C473AACB-D821-4991-9D88-46EB8D29E619}" type="datetimeFigureOut">
               <a:rPr lang="en-GB" smtClean="0"/>
               <a:pPr/>
-              <a:t>24/11/2024</a:t>
+              <a:t>26/01/2025</a:t>
             </a:fld>
             <a:endParaRPr lang="en-GB" dirty="0"/>
           </a:p>
@@ -1588,7 +1588,7 @@
             <a:fld id="{C473AACB-D821-4991-9D88-46EB8D29E619}" type="datetimeFigureOut">
               <a:rPr lang="en-GB" smtClean="0"/>
               <a:pPr/>
-              <a:t>24/11/2024</a:t>
+              <a:t>26/01/2025</a:t>
             </a:fld>
             <a:endParaRPr lang="en-GB" dirty="0"/>
           </a:p>
@@ -1841,7 +1841,7 @@
             <a:fld id="{C473AACB-D821-4991-9D88-46EB8D29E619}" type="datetimeFigureOut">
               <a:rPr lang="en-GB" smtClean="0"/>
               <a:pPr/>
-              <a:t>24/11/2024</a:t>
+              <a:t>26/01/2025</a:t>
             </a:fld>
             <a:endParaRPr lang="en-GB" dirty="0"/>
           </a:p>
@@ -2186,7 +2186,7 @@
             <a:fld id="{C473AACB-D821-4991-9D88-46EB8D29E619}" type="datetimeFigureOut">
               <a:rPr lang="en-GB" smtClean="0"/>
               <a:pPr/>
-              <a:t>24/11/2024</a:t>
+              <a:t>26/01/2025</a:t>
             </a:fld>
             <a:endParaRPr lang="en-GB" dirty="0"/>
           </a:p>
@@ -2558,7 +2558,7 @@
             <a:fld id="{C473AACB-D821-4991-9D88-46EB8D29E619}" type="datetimeFigureOut">
               <a:rPr lang="en-GB" smtClean="0"/>
               <a:pPr/>
-              <a:t>24/11/2024</a:t>
+              <a:t>26/01/2025</a:t>
             </a:fld>
             <a:endParaRPr lang="en-GB" dirty="0"/>
           </a:p>
@@ -2904,7 +2904,7 @@
             <a:fld id="{C473AACB-D821-4991-9D88-46EB8D29E619}" type="datetimeFigureOut">
               <a:rPr lang="en-GB" smtClean="0"/>
               <a:pPr/>
-              <a:t>24/11/2024</a:t>
+              <a:t>26/01/2025</a:t>
             </a:fld>
             <a:endParaRPr lang="en-GB" dirty="0"/>
           </a:p>
@@ -3328,7 +3328,7 @@
             <a:fld id="{C473AACB-D821-4991-9D88-46EB8D29E619}" type="datetimeFigureOut">
               <a:rPr lang="en-GB" smtClean="0"/>
               <a:pPr/>
-              <a:t>24/11/2024</a:t>
+              <a:t>26/01/2025</a:t>
             </a:fld>
             <a:endParaRPr lang="en-GB" dirty="0"/>
           </a:p>
@@ -3563,7 +3563,7 @@
             <a:fld id="{C473AACB-D821-4991-9D88-46EB8D29E619}" type="datetimeFigureOut">
               <a:rPr lang="en-GB" smtClean="0"/>
               <a:pPr/>
-              <a:t>24/11/2024</a:t>
+              <a:t>26/01/2025</a:t>
             </a:fld>
             <a:endParaRPr lang="en-GB" dirty="0"/>
           </a:p>
@@ -3774,7 +3774,7 @@
             <a:fld id="{C473AACB-D821-4991-9D88-46EB8D29E619}" type="datetimeFigureOut">
               <a:rPr lang="en-GB" smtClean="0"/>
               <a:pPr/>
-              <a:t>24/11/2024</a:t>
+              <a:t>26/01/2025</a:t>
             </a:fld>
             <a:endParaRPr lang="en-GB" dirty="0"/>
           </a:p>
@@ -3992,7 +3992,7 @@
             <a:fld id="{C473AACB-D821-4991-9D88-46EB8D29E619}" type="datetimeFigureOut">
               <a:rPr lang="en-GB" smtClean="0"/>
               <a:pPr/>
-              <a:t>24/11/2024</a:t>
+              <a:t>26/01/2025</a:t>
             </a:fld>
             <a:endParaRPr lang="en-GB" dirty="0"/>
           </a:p>
@@ -4807,7 +4807,7 @@
             <a:fld id="{C473AACB-D821-4991-9D88-46EB8D29E619}" type="datetimeFigureOut">
               <a:rPr lang="en-GB" smtClean="0"/>
               <a:pPr/>
-              <a:t>24/11/2024</a:t>
+              <a:t>26/01/2025</a:t>
             </a:fld>
             <a:endParaRPr lang="en-GB" dirty="0"/>
           </a:p>
@@ -5621,7 +5621,7 @@
             <a:fld id="{C473AACB-D821-4991-9D88-46EB8D29E619}" type="datetimeFigureOut">
               <a:rPr lang="en-GB" smtClean="0"/>
               <a:pPr/>
-              <a:t>24/11/2024</a:t>
+              <a:t>26/01/2025</a:t>
             </a:fld>
             <a:endParaRPr lang="en-GB" dirty="0"/>
           </a:p>
@@ -5870,7 +5870,7 @@
             <a:fld id="{C473AACB-D821-4991-9D88-46EB8D29E619}" type="datetimeFigureOut">
               <a:rPr lang="en-GB" smtClean="0"/>
               <a:pPr/>
-              <a:t>24/11/2024</a:t>
+              <a:t>26/01/2025</a:t>
             </a:fld>
             <a:endParaRPr lang="en-GB" dirty="0"/>
           </a:p>
@@ -6134,7 +6134,7 @@
             <a:fld id="{C473AACB-D821-4991-9D88-46EB8D29E619}" type="datetimeFigureOut">
               <a:rPr lang="en-GB" smtClean="0"/>
               <a:pPr/>
-              <a:t>24/11/2024</a:t>
+              <a:t>26/01/2025</a:t>
             </a:fld>
             <a:endParaRPr lang="en-GB" dirty="0"/>
           </a:p>
@@ -6574,7 +6574,7 @@
             <a:fld id="{C473AACB-D821-4991-9D88-46EB8D29E619}" type="datetimeFigureOut">
               <a:rPr lang="en-GB" smtClean="0"/>
               <a:pPr/>
-              <a:t>24/11/2024</a:t>
+              <a:t>26/01/2025</a:t>
             </a:fld>
             <a:endParaRPr lang="en-GB" dirty="0"/>
           </a:p>
@@ -6729,7 +6729,7 @@
             <a:fld id="{C473AACB-D821-4991-9D88-46EB8D29E619}" type="datetimeFigureOut">
               <a:rPr lang="en-GB" smtClean="0"/>
               <a:pPr/>
-              <a:t>24/11/2024</a:t>
+              <a:t>26/01/2025</a:t>
             </a:fld>
             <a:endParaRPr lang="en-GB" dirty="0"/>
           </a:p>
@@ -6826,7 +6826,7 @@
             <a:fld id="{C473AACB-D821-4991-9D88-46EB8D29E619}" type="datetimeFigureOut">
               <a:rPr lang="en-GB" smtClean="0"/>
               <a:pPr/>
-              <a:t>24/11/2024</a:t>
+              <a:t>26/01/2025</a:t>
             </a:fld>
             <a:endParaRPr lang="en-GB" dirty="0"/>
           </a:p>
@@ -7603,7 +7603,7 @@
             <a:fld id="{C473AACB-D821-4991-9D88-46EB8D29E619}" type="datetimeFigureOut">
               <a:rPr lang="en-GB" smtClean="0"/>
               <a:pPr/>
-              <a:t>24/11/2024</a:t>
+              <a:t>26/01/2025</a:t>
             </a:fld>
             <a:endParaRPr lang="en-GB" dirty="0"/>
           </a:p>
@@ -8163,12 +8163,7 @@
             <p:ph type="body" idx="1"/>
           </p:nvPr>
         </p:nvSpPr>
-        <p:spPr>
-          <a:xfrm>
-            <a:off x="4144617" y="2776047"/>
-            <a:ext cx="3523727" cy="645300"/>
-          </a:xfrm>
-        </p:spPr>
+        <p:spPr/>
         <p:txBody>
           <a:bodyPr>
             <a:normAutofit/>
@@ -8177,13 +8172,17 @@
           <a:p>
             <a:r>
               <a:rPr lang="en-GB" dirty="0" smtClean="0"/>
-              <a:t>PIC18FxxQ24</a:t>
-            </a:r>
-          </a:p>
-          <a:p>
+              <a:t>PIC16Fxxxx chip Family ( Legacy )</a:t>
+            </a:r>
+          </a:p>
+          <a:p>
+            <a:r>
+              <a:rPr lang="en-GB" dirty="0"/>
+              <a:t>Part </a:t>
+            </a:r>
             <a:r>
               <a:rPr lang="en-GB" dirty="0" smtClean="0"/>
-              <a:t>Part 10 - EEPROM Operations</a:t>
+              <a:t>10 – Using the EEPROM</a:t>
             </a:r>
             <a:endParaRPr lang="en-GB" dirty="0"/>
           </a:p>
@@ -8192,7 +8191,7 @@
     </p:spTree>
     <p:extLst>
       <p:ext uri="{BB962C8B-B14F-4D97-AF65-F5344CB8AC3E}">
-        <p14:creationId xmlns:p14="http://schemas.microsoft.com/office/powerpoint/2010/main" val="1934043723"/>
+        <p14:creationId xmlns:p14="http://schemas.microsoft.com/office/powerpoint/2010/main" val="2177584937"/>
       </p:ext>
     </p:extLst>
   </p:cSld>
@@ -8471,165 +8470,41 @@
           </a:lstStyle>
           <a:p>
             <a:r>
+              <a:rPr lang="en-GB" dirty="0" smtClean="0"/>
+              <a:t>8 KB </a:t>
+            </a:r>
+            <a:r>
               <a:rPr lang="en-GB" dirty="0"/>
-              <a:t>64 </a:t>
+              <a:t>of Program Flash Memory </a:t>
+            </a:r>
+          </a:p>
+          <a:p>
+            <a:r>
+              <a:rPr lang="en-GB" dirty="0" smtClean="0"/>
+              <a:t>512 B </a:t>
             </a:r>
             <a:r>
               <a:rPr lang="en-GB" dirty="0"/>
-              <a:t>KB of Program Flash Memory </a:t>
-            </a:r>
-          </a:p>
-          <a:p>
-            <a:r>
-              <a:rPr lang="en-GB" dirty="0"/>
-              <a:t>4 </a:t>
-            </a:r>
-            <a:r>
-              <a:rPr lang="en-GB" dirty="0"/>
-              <a:t>KB of Data SRAM </a:t>
-            </a:r>
-            <a:r>
-              <a:rPr lang="en-GB" dirty="0"/>
-              <a:t>Memory</a:t>
+              <a:t>of Data SRAM Memory</a:t>
             </a:r>
           </a:p>
           <a:p>
             <a:r>
               <a:rPr lang="en-GB" b="1" dirty="0" smtClean="0"/>
-              <a:t>512 </a:t>
+              <a:t>256Bytes </a:t>
             </a:r>
             <a:r>
               <a:rPr lang="en-GB" b="1" dirty="0"/>
-              <a:t>Bytes Data </a:t>
-            </a:r>
-            <a:r>
-              <a:rPr lang="en-GB" b="1" dirty="0"/>
+              <a:t>Data </a:t>
+            </a:r>
+            <a:r>
+              <a:rPr lang="en-GB" b="1" dirty="0" smtClean="0"/>
               <a:t>EEPROM</a:t>
             </a:r>
-          </a:p>
-          <a:p>
-            <a:endParaRPr lang="en-GB" dirty="0"/>
-          </a:p>
-          <a:p>
-            <a:r>
-              <a:rPr lang="en-GB" dirty="0"/>
-              <a:t>Memory </a:t>
-            </a:r>
-            <a:r>
-              <a:rPr lang="en-GB" dirty="0"/>
-              <a:t>Access </a:t>
-            </a:r>
-            <a:r>
-              <a:rPr lang="en-GB" dirty="0"/>
-              <a:t>Partition, the </a:t>
-            </a:r>
-            <a:r>
-              <a:rPr lang="en-GB" dirty="0"/>
-              <a:t>Program Flash Memory Can Be Partitioned into: </a:t>
-            </a:r>
-            <a:endParaRPr lang="en-GB" dirty="0"/>
-          </a:p>
-          <a:p>
-            <a:pPr lvl="1"/>
-            <a:r>
-              <a:rPr lang="en-GB" dirty="0" smtClean="0"/>
-              <a:t>Application </a:t>
-            </a:r>
-            <a:r>
-              <a:rPr lang="en-GB" dirty="0"/>
-              <a:t>Block </a:t>
-            </a:r>
-            <a:endParaRPr lang="en-GB" dirty="0"/>
-          </a:p>
-          <a:p>
-            <a:pPr lvl="1"/>
-            <a:r>
-              <a:rPr lang="en-GB" dirty="0" smtClean="0"/>
-              <a:t>Boot </a:t>
-            </a:r>
-            <a:r>
-              <a:rPr lang="en-GB" dirty="0"/>
-              <a:t>Block </a:t>
-            </a:r>
-            <a:endParaRPr lang="en-GB" dirty="0"/>
-          </a:p>
-          <a:p>
-            <a:pPr lvl="1"/>
-            <a:r>
-              <a:rPr lang="en-GB" dirty="0" smtClean="0"/>
-              <a:t>Storage </a:t>
-            </a:r>
-            <a:r>
-              <a:rPr lang="en-GB" dirty="0"/>
-              <a:t>Area Flash (SAF) Block</a:t>
-            </a:r>
-          </a:p>
-        </p:txBody>
-      </p:sp>
-      <p:pic>
-        <p:nvPicPr>
-          <p:cNvPr id="1026" name="Picture 2"/>
-          <p:cNvPicPr>
-            <a:picLocks noChangeAspect="1" noChangeArrowheads="1"/>
-          </p:cNvPicPr>
-          <p:nvPr/>
-        </p:nvPicPr>
-        <p:blipFill>
-          <a:blip r:embed="rId2">
-            <a:extLst>
-              <a:ext uri="{28A0092B-C50C-407E-A947-70E740481C1C}">
-                <a14:useLocalDpi xmlns:a14="http://schemas.microsoft.com/office/drawing/2010/main" val="0"/>
-              </a:ext>
-            </a:extLst>
-          </a:blip>
-          <a:srcRect/>
-          <a:stretch>
-            <a:fillRect/>
-          </a:stretch>
-        </p:blipFill>
-        <p:spPr bwMode="auto">
-          <a:xfrm>
-            <a:off x="5508104" y="771550"/>
-            <a:ext cx="3384042" cy="4299942"/>
-          </a:xfrm>
-          <a:prstGeom prst="rect">
-            <a:avLst/>
-          </a:prstGeom>
-          <a:noFill/>
-          <a:ln>
-            <a:noFill/>
-          </a:ln>
-          <a:effectLst/>
-          <a:extLst>
-            <a:ext uri="{909E8E84-426E-40DD-AFC4-6F175D3DCCD1}">
-              <a14:hiddenFill xmlns:a14="http://schemas.microsoft.com/office/drawing/2010/main">
-                <a:solidFill>
-                  <a:schemeClr val="accent1"/>
-                </a:solidFill>
-              </a14:hiddenFill>
-            </a:ext>
-            <a:ext uri="{91240B29-F687-4F45-9708-019B960494DF}">
-              <a14:hiddenLine xmlns:a14="http://schemas.microsoft.com/office/drawing/2010/main" w="9525">
-                <a:solidFill>
-                  <a:schemeClr val="tx1"/>
-                </a:solidFill>
-                <a:miter lim="800000"/>
-                <a:headEnd/>
-                <a:tailEnd/>
-              </a14:hiddenLine>
-            </a:ext>
-            <a:ext uri="{AF507438-7753-43E0-B8FC-AC1667EBCBE1}">
-              <a14:hiddenEffects xmlns:a14="http://schemas.microsoft.com/office/drawing/2010/main">
-                <a:effectLst>
-                  <a:outerShdw dist="35921" dir="2700000" algn="ctr" rotWithShape="0">
-                    <a:schemeClr val="bg2"/>
-                  </a:outerShdw>
-                </a:effectLst>
-              </a14:hiddenEffects>
-            </a:ext>
-          </a:extLst>
-        </p:spPr>
-      </p:pic>
+            <a:endParaRPr lang="en-GB" b="1" dirty="0"/>
+          </a:p>
+        </p:txBody>
+      </p:sp>
     </p:spTree>
     <p:extLst>
       <p:ext uri="{BB962C8B-B14F-4D97-AF65-F5344CB8AC3E}">
@@ -8640,11 +8515,11 @@
   <p:clrMapOvr>
     <a:masterClrMapping/>
   </p:clrMapOvr>
-  <mc:AlternateContent xmlns:mc="http://schemas.openxmlformats.org/markup-compatibility/2006">
-    <mc:Choice xmlns:p14="http://schemas.microsoft.com/office/powerpoint/2010/main" Requires="p14">
+  <mc:AlternateContent xmlns:mc="http://schemas.openxmlformats.org/markup-compatibility/2006" xmlns:p14="http://schemas.microsoft.com/office/powerpoint/2010/main">
+    <mc:Choice Requires="p14">
       <p:transition spd="slow" p14:dur="2000" advClick="0"/>
     </mc:Choice>
-    <mc:Fallback>
+    <mc:Fallback xmlns="">
       <p:transition spd="slow" advClick="0"/>
     </mc:Fallback>
   </mc:AlternateContent>
@@ -8675,68 +8550,6 @@
           <a:chExt cx="0" cy="0"/>
         </a:xfrm>
       </p:grpSpPr>
-      <p:pic>
-        <p:nvPicPr>
-          <p:cNvPr id="8" name="Picture 2"/>
-          <p:cNvPicPr>
-            <a:picLocks noChangeAspect="1" noChangeArrowheads="1"/>
-          </p:cNvPicPr>
-          <p:nvPr/>
-        </p:nvPicPr>
-        <p:blipFill rotWithShape="1">
-          <a:blip r:embed="rId2">
-            <a:extLst>
-              <a:ext uri="{28A0092B-C50C-407E-A947-70E740481C1C}">
-                <a14:useLocalDpi xmlns:a14="http://schemas.microsoft.com/office/drawing/2010/main" val="0"/>
-              </a:ext>
-            </a:extLst>
-          </a:blip>
-          <a:srcRect l="20552"/>
-          <a:stretch/>
-        </p:blipFill>
-        <p:spPr bwMode="auto">
-          <a:xfrm>
-            <a:off x="3248526" y="-3689233"/>
-            <a:ext cx="6436042" cy="10293431"/>
-          </a:xfrm>
-          <a:prstGeom prst="rect">
-            <a:avLst/>
-          </a:prstGeom>
-          <a:noFill/>
-          <a:ln>
-            <a:noFill/>
-          </a:ln>
-          <a:effectLst/>
-          <a:extLst>
-            <a:ext uri="{909E8E84-426E-40DD-AFC4-6F175D3DCCD1}">
-              <a14:hiddenFill xmlns:a14="http://schemas.microsoft.com/office/drawing/2010/main">
-                <a:solidFill>
-                  <a:schemeClr val="accent1"/>
-                </a:solidFill>
-              </a14:hiddenFill>
-            </a:ext>
-            <a:ext uri="{91240B29-F687-4F45-9708-019B960494DF}">
-              <a14:hiddenLine xmlns:a14="http://schemas.microsoft.com/office/drawing/2010/main" w="9525">
-                <a:solidFill>
-                  <a:schemeClr val="tx1"/>
-                </a:solidFill>
-                <a:miter lim="800000"/>
-                <a:headEnd/>
-                <a:tailEnd/>
-              </a14:hiddenLine>
-            </a:ext>
-            <a:ext uri="{AF507438-7753-43E0-B8FC-AC1667EBCBE1}">
-              <a14:hiddenEffects xmlns:a14="http://schemas.microsoft.com/office/drawing/2010/main">
-                <a:effectLst>
-                  <a:outerShdw dist="35921" dir="2700000" algn="ctr" rotWithShape="0">
-                    <a:schemeClr val="bg2"/>
-                  </a:outerShdw>
-                </a:effectLst>
-              </a14:hiddenEffects>
-            </a:ext>
-          </a:extLst>
-        </p:spPr>
-      </p:pic>
       <p:sp>
         <p:nvSpPr>
           <p:cNvPr id="5" name="Title 1"/>
@@ -8841,52 +8654,6 @@
       </p:sp>
       <p:sp>
         <p:nvSpPr>
-          <p:cNvPr id="4" name="Rectangle 3"/>
-          <p:cNvSpPr/>
-          <p:nvPr/>
-        </p:nvSpPr>
-        <p:spPr>
-          <a:xfrm>
-            <a:off x="3131840" y="2643758"/>
-            <a:ext cx="6480720" cy="576064"/>
-          </a:xfrm>
-          <a:prstGeom prst="rect">
-            <a:avLst/>
-          </a:prstGeom>
-          <a:noFill/>
-          <a:ln w="28575">
-            <a:solidFill>
-              <a:srgbClr val="FF0000"/>
-            </a:solidFill>
-          </a:ln>
-        </p:spPr>
-        <p:style>
-          <a:lnRef idx="2">
-            <a:schemeClr val="accent1">
-              <a:shade val="50000"/>
-            </a:schemeClr>
-          </a:lnRef>
-          <a:fillRef idx="1">
-            <a:schemeClr val="accent1"/>
-          </a:fillRef>
-          <a:effectRef idx="0">
-            <a:schemeClr val="accent1"/>
-          </a:effectRef>
-          <a:fontRef idx="minor">
-            <a:schemeClr val="lt1"/>
-          </a:fontRef>
-        </p:style>
-        <p:txBody>
-          <a:bodyPr rtlCol="0" anchor="ctr"/>
-          <a:lstStyle/>
-          <a:p>
-            <a:pPr algn="ctr"/>
-            <a:endParaRPr lang="en-GB"/>
-          </a:p>
-        </p:txBody>
-      </p:sp>
-      <p:sp>
-        <p:nvSpPr>
           <p:cNvPr id="7" name="TextBox 6"/>
           <p:cNvSpPr txBox="1"/>
           <p:nvPr/>
@@ -8894,7 +8661,7 @@
         <p:spPr>
           <a:xfrm>
             <a:off x="107504" y="1637094"/>
-            <a:ext cx="2952328" cy="2021066"/>
+            <a:ext cx="5112568" cy="2021066"/>
           </a:xfrm>
           <a:prstGeom prst="rect">
             <a:avLst/>
@@ -9121,7 +8888,6 @@
               <a:rPr lang="en-GB" dirty="0"/>
               <a:t>Non-volatile memory to store relatively small amounts of data but allowing individual bytes to be erased and reprogrammed.</a:t>
             </a:r>
-            <a:endParaRPr lang="en-GB" dirty="0"/>
           </a:p>
         </p:txBody>
       </p:sp>
@@ -9135,11 +8901,11 @@
   <p:clrMapOvr>
     <a:masterClrMapping/>
   </p:clrMapOvr>
-  <mc:AlternateContent xmlns:mc="http://schemas.openxmlformats.org/markup-compatibility/2006">
-    <mc:Choice xmlns:p14="http://schemas.microsoft.com/office/powerpoint/2010/main" Requires="p14">
+  <mc:AlternateContent xmlns:mc="http://schemas.openxmlformats.org/markup-compatibility/2006" xmlns:p14="http://schemas.microsoft.com/office/powerpoint/2010/main">
+    <mc:Choice Requires="p14">
       <p:transition spd="slow" p14:dur="2000" advClick="0"/>
     </mc:Choice>
-    <mc:Fallback>
+    <mc:Fallback xmlns="">
       <p:transition spd="slow" advClick="0"/>
     </mc:Fallback>
   </mc:AlternateContent>
@@ -9203,7 +8969,7 @@
         <p:spPr>
           <a:xfrm>
             <a:off x="199306" y="1779662"/>
-            <a:ext cx="8892480" cy="1384995"/>
+            <a:ext cx="8892480" cy="1169551"/>
           </a:xfrm>
           <a:prstGeom prst="rect">
             <a:avLst/>
@@ -9234,21 +9000,7 @@
                 <a:latin typeface="Courier New" pitchFamily="49" charset="0"/>
                 <a:cs typeface="Courier New" pitchFamily="49" charset="0"/>
               </a:rPr>
-              <a:t>	</a:t>
-            </a:r>
-            <a:r>
-              <a:rPr lang="en-GB" sz="1400" dirty="0" smtClean="0">
-                <a:latin typeface="Courier New" pitchFamily="49" charset="0"/>
-                <a:cs typeface="Courier New" pitchFamily="49" charset="0"/>
-              </a:rPr>
-              <a:t>Value          </a:t>
-            </a:r>
-            <a:r>
-              <a:rPr lang="en-GB" sz="1400" dirty="0" smtClean="0">
-                <a:latin typeface="Courier New" pitchFamily="49" charset="0"/>
-                <a:cs typeface="Courier New" pitchFamily="49" charset="0"/>
-              </a:rPr>
-              <a:t>Explanation</a:t>
+              <a:t>	Value          Explanation</a:t>
             </a:r>
           </a:p>
           <a:p>
@@ -9270,14 +9022,7 @@
                 <a:latin typeface="Courier New" pitchFamily="49" charset="0"/>
                 <a:cs typeface="Courier New" pitchFamily="49" charset="0"/>
               </a:rPr>
-              <a:t>            </a:t>
-            </a:r>
-            <a:r>
-              <a:rPr lang="en-GB" sz="1400" dirty="0" smtClean="0">
-                <a:latin typeface="Courier New" pitchFamily="49" charset="0"/>
-                <a:cs typeface="Courier New" pitchFamily="49" charset="0"/>
-              </a:rPr>
-              <a:t>32768          </a:t>
+              <a:t>            8192           </a:t>
             </a:r>
             <a:r>
               <a:rPr lang="en-GB" sz="1400" dirty="0" err="1" smtClean="0">
@@ -9314,89 +9059,6 @@
               </a:rPr>
               <a:t>ChipWORDS</a:t>
             </a:r>
-            <a:endParaRPr lang="en-GB" sz="1400" dirty="0" smtClean="0">
-              <a:latin typeface="Courier New" pitchFamily="49" charset="0"/>
-              <a:cs typeface="Courier New" pitchFamily="49" charset="0"/>
-            </a:endParaRPr>
-          </a:p>
-          <a:p>
-            <a:r>
-              <a:rPr lang="en-GB" sz="1400" dirty="0" err="1">
-                <a:latin typeface="Courier New" pitchFamily="49" charset="0"/>
-                <a:cs typeface="Courier New" pitchFamily="49" charset="0"/>
-              </a:rPr>
-              <a:t>SAFMemWords</a:t>
-            </a:r>
-            <a:r>
-              <a:rPr lang="en-GB" sz="1400" dirty="0">
-                <a:latin typeface="Courier New" pitchFamily="49" charset="0"/>
-                <a:cs typeface="Courier New" pitchFamily="49" charset="0"/>
-              </a:rPr>
-              <a:t> </a:t>
-            </a:r>
-            <a:r>
-              <a:rPr lang="en-GB" sz="1400" dirty="0" smtClean="0">
-                <a:latin typeface="Courier New" pitchFamily="49" charset="0"/>
-                <a:cs typeface="Courier New" pitchFamily="49" charset="0"/>
-              </a:rPr>
-              <a:t>	</a:t>
-            </a:r>
-            <a:r>
-              <a:rPr lang="en-GB" sz="1400" dirty="0" smtClean="0">
-                <a:latin typeface="Courier New" pitchFamily="49" charset="0"/>
-                <a:cs typeface="Courier New" pitchFamily="49" charset="0"/>
-              </a:rPr>
-              <a:t>128            </a:t>
-            </a:r>
-            <a:r>
-              <a:rPr lang="en-GB" sz="1400" dirty="0" err="1">
-                <a:latin typeface="Courier New" pitchFamily="49" charset="0"/>
-                <a:cs typeface="Courier New" pitchFamily="49" charset="0"/>
-              </a:rPr>
-              <a:t>SAFMemWords</a:t>
-            </a:r>
-            <a:r>
-              <a:rPr lang="en-GB" sz="1400" dirty="0">
-                <a:latin typeface="Courier New" pitchFamily="49" charset="0"/>
-                <a:cs typeface="Courier New" pitchFamily="49" charset="0"/>
-              </a:rPr>
-              <a:t> </a:t>
-            </a:r>
-            <a:r>
-              <a:rPr lang="en-GB" sz="1400" dirty="0" smtClean="0">
-                <a:latin typeface="Courier New" pitchFamily="49" charset="0"/>
-                <a:cs typeface="Courier New" pitchFamily="49" charset="0"/>
-              </a:rPr>
-              <a:t>exposed </a:t>
-            </a:r>
-            <a:r>
-              <a:rPr lang="en-GB" sz="1400" dirty="0">
-                <a:latin typeface="Courier New" pitchFamily="49" charset="0"/>
-                <a:cs typeface="Courier New" pitchFamily="49" charset="0"/>
-              </a:rPr>
-              <a:t> </a:t>
-            </a:r>
-            <a:r>
-              <a:rPr lang="en-GB" sz="1400" dirty="0" smtClean="0">
-                <a:latin typeface="Courier New" pitchFamily="49" charset="0"/>
-                <a:cs typeface="Courier New" pitchFamily="49" charset="0"/>
-              </a:rPr>
-              <a:t> </a:t>
-            </a:r>
-            <a:r>
-              <a:rPr lang="en-GB" sz="1400" dirty="0" err="1" smtClean="0">
-                <a:latin typeface="Courier New" pitchFamily="49" charset="0"/>
-                <a:cs typeface="Courier New" pitchFamily="49" charset="0"/>
-              </a:rPr>
-              <a:t>ChipSAFMemWords</a:t>
-            </a:r>
-            <a:r>
-              <a:rPr lang="en-GB" sz="1400" dirty="0" smtClean="0">
-                <a:latin typeface="Courier New" pitchFamily="49" charset="0"/>
-                <a:cs typeface="Courier New" pitchFamily="49" charset="0"/>
-              </a:rPr>
-              <a:t> </a:t>
-            </a:r>
             <a:r>
               <a:rPr lang="en-GB" sz="1400" dirty="0">
                 <a:latin typeface="Courier New" pitchFamily="49" charset="0"/>
@@ -9415,35 +9077,7 @@
                 <a:latin typeface="Courier New" pitchFamily="49" charset="0"/>
                 <a:cs typeface="Courier New" pitchFamily="49" charset="0"/>
               </a:rPr>
-              <a:t>EEPROM          </a:t>
-            </a:r>
-            <a:r>
-              <a:rPr lang="en-GB" sz="1400" b="1" dirty="0" smtClean="0">
-                <a:latin typeface="Courier New" pitchFamily="49" charset="0"/>
-                <a:cs typeface="Courier New" pitchFamily="49" charset="0"/>
-              </a:rPr>
-              <a:t>512</a:t>
-            </a:r>
-            <a:r>
-              <a:rPr lang="en-GB" sz="1400" b="1" dirty="0" smtClean="0">
-                <a:latin typeface="Courier New" pitchFamily="49" charset="0"/>
-                <a:cs typeface="Courier New" pitchFamily="49" charset="0"/>
-              </a:rPr>
-              <a:t>            </a:t>
-            </a:r>
-            <a:r>
-              <a:rPr lang="en-GB" sz="1400" b="1" dirty="0" smtClean="0">
-                <a:latin typeface="Courier New" pitchFamily="49" charset="0"/>
-                <a:cs typeface="Courier New" pitchFamily="49" charset="0"/>
-              </a:rPr>
-              <a:t>EEPROM is exposed as </a:t>
-            </a:r>
-            <a:r>
-              <a:rPr lang="en-GB" sz="1400" b="1" dirty="0" smtClean="0">
-                <a:latin typeface="Courier New" pitchFamily="49" charset="0"/>
-                <a:cs typeface="Courier New" pitchFamily="49" charset="0"/>
-              </a:rPr>
-              <a:t> </a:t>
+              <a:t>EEPROM          256            EEPROM is exposed as  </a:t>
             </a:r>
             <a:r>
               <a:rPr lang="en-GB" sz="1400" b="1" dirty="0" err="1" smtClean="0">
@@ -9463,28 +9097,7 @@
                 <a:latin typeface="Courier New" pitchFamily="49" charset="0"/>
                 <a:cs typeface="Courier New" pitchFamily="49" charset="0"/>
               </a:rPr>
-              <a:t>RAM             </a:t>
-            </a:r>
-            <a:r>
-              <a:rPr lang="en-GB" sz="1400" dirty="0" smtClean="0">
-                <a:latin typeface="Courier New" pitchFamily="49" charset="0"/>
-                <a:cs typeface="Courier New" pitchFamily="49" charset="0"/>
-              </a:rPr>
-              <a:t>4096           </a:t>
-            </a:r>
-            <a:r>
-              <a:rPr lang="en-GB" sz="1400" dirty="0" smtClean="0">
-                <a:latin typeface="Courier New" pitchFamily="49" charset="0"/>
-                <a:cs typeface="Courier New" pitchFamily="49" charset="0"/>
-              </a:rPr>
-              <a:t>RAM is exposed as </a:t>
-            </a:r>
-            <a:r>
-              <a:rPr lang="en-GB" sz="1400" dirty="0" smtClean="0">
-                <a:latin typeface="Courier New" pitchFamily="49" charset="0"/>
-                <a:cs typeface="Courier New" pitchFamily="49" charset="0"/>
-              </a:rPr>
-              <a:t>    </a:t>
+              <a:t>RAM             512            RAM is exposed as     </a:t>
             </a:r>
             <a:r>
               <a:rPr lang="en-GB" sz="1400" dirty="0" err="1" smtClean="0">
@@ -9510,11 +9123,11 @@
   <p:clrMapOvr>
     <a:masterClrMapping/>
   </p:clrMapOvr>
-  <mc:AlternateContent xmlns:mc="http://schemas.openxmlformats.org/markup-compatibility/2006">
-    <mc:Choice xmlns:p14="http://schemas.microsoft.com/office/powerpoint/2010/main" Requires="p14">
+  <mc:AlternateContent xmlns:mc="http://schemas.openxmlformats.org/markup-compatibility/2006" xmlns:p14="http://schemas.microsoft.com/office/powerpoint/2010/main">
+    <mc:Choice Requires="p14">
       <p:transition spd="slow" p14:dur="2000" advClick="0"/>
     </mc:Choice>
-    <mc:Fallback>
+    <mc:Fallback xmlns="">
       <p:transition spd="slow" advClick="0"/>
     </mc:Fallback>
   </mc:AlternateContent>
@@ -9569,15 +9182,7 @@
             </a:r>
             <a:r>
               <a:rPr lang="en-GB" dirty="0" smtClean="0"/>
-              <a:t> – </a:t>
-            </a:r>
-            <a:r>
-              <a:rPr lang="en-GB" dirty="0" smtClean="0"/>
-              <a:t>3 </a:t>
-            </a:r>
-            <a:r>
-              <a:rPr lang="en-GB" dirty="0" smtClean="0"/>
-              <a:t>ways</a:t>
+              <a:t> – 3 ways</a:t>
             </a:r>
             <a:endParaRPr lang="en-GB" dirty="0"/>
           </a:p>
@@ -9872,11 +9477,11 @@
   <p:clrMapOvr>
     <a:masterClrMapping/>
   </p:clrMapOvr>
-  <mc:AlternateContent xmlns:mc="http://schemas.openxmlformats.org/markup-compatibility/2006">
-    <mc:Choice xmlns:p14="http://schemas.microsoft.com/office/powerpoint/2010/main" Requires="p14">
+  <mc:AlternateContent xmlns:mc="http://schemas.openxmlformats.org/markup-compatibility/2006" xmlns:p14="http://schemas.microsoft.com/office/powerpoint/2010/main">
+    <mc:Choice Requires="p14">
       <p:transition spd="slow" p14:dur="2000" advClick="0"/>
     </mc:Choice>
-    <mc:Fallback>
+    <mc:Fallback xmlns="">
       <p:transition spd="slow" advClick="0"/>
     </mc:Fallback>
   </mc:AlternateContent>
@@ -9965,15 +9570,12 @@
           <a:p>
             <a:pPr marL="778521" lvl="1" indent="-478483"/>
             <a:r>
+              <a:rPr lang="en-GB" sz="1100" dirty="0" smtClean="0"/>
+              <a:t>Write </a:t>
+            </a:r>
+            <a:r>
               <a:rPr lang="en-GB" sz="1100" dirty="0"/>
-              <a:t>Using PPS select the serial USART port</a:t>
-            </a:r>
-          </a:p>
-          <a:p>
-            <a:pPr marL="778521" lvl="1" indent="-478483"/>
-            <a:r>
-              <a:rPr lang="en-GB" sz="1100" dirty="0"/>
-              <a:t>Write values to </a:t>
+              <a:t>values to </a:t>
             </a:r>
             <a:r>
               <a:rPr lang="en-GB" sz="1100" dirty="0" err="1"/>
@@ -10076,11 +9678,11 @@
   <p:clrMapOvr>
     <a:masterClrMapping/>
   </p:clrMapOvr>
-  <mc:AlternateContent xmlns:mc="http://schemas.openxmlformats.org/markup-compatibility/2006">
-    <mc:Choice xmlns:p14="http://schemas.microsoft.com/office/powerpoint/2010/main" Requires="p14">
+  <mc:AlternateContent xmlns:mc="http://schemas.openxmlformats.org/markup-compatibility/2006" xmlns:p14="http://schemas.microsoft.com/office/powerpoint/2010/main">
+    <mc:Choice Requires="p14">
       <p:transition spd="slow" p14:dur="2000" advClick="0"/>
     </mc:Choice>
-    <mc:Fallback>
+    <mc:Fallback xmlns="">
       <p:transition spd="slow" advClick="0"/>
     </mc:Fallback>
   </mc:AlternateContent>
@@ -10248,8 +9850,13 @@
             </a:pPr>
             <a:r>
               <a:rPr lang="en-GB" sz="1100" dirty="0"/>
-              <a:t>Install the hardware and make the board work – three LED programs</a:t>
-            </a:r>
+              <a:t>Install the hardware and make the board work </a:t>
+            </a:r>
+            <a:r>
+              <a:rPr lang="en-GB" sz="1100" dirty="0" smtClean="0"/>
+              <a:t>– make LEDs work</a:t>
+            </a:r>
+            <a:endParaRPr lang="en-GB" sz="1100" b="1" dirty="0"/>
           </a:p>
           <a:p>
             <a:pPr marL="180000" indent="-478483">
@@ -10351,10 +9958,9 @@
               <a:buAutoNum type="arabicPeriod"/>
             </a:pPr>
             <a:r>
-              <a:rPr lang="en-GB" sz="1100" dirty="0" smtClean="0"/>
+              <a:rPr lang="en-GB" sz="1100" dirty="0"/>
               <a:t>Using the timer0 overflow, 8bit timer, 16bit timer to flash the LEDs</a:t>
             </a:r>
-            <a:endParaRPr lang="en-GB" sz="1100" dirty="0"/>
           </a:p>
           <a:p>
             <a:pPr marL="180000" indent="-478483">
@@ -10366,7 +9972,15 @@
             </a:pPr>
             <a:r>
               <a:rPr lang="en-GB" sz="1100" dirty="0"/>
-              <a:t>Using EEProm – showing values on the serial terminal, and more constants insights</a:t>
+              <a:t>Using </a:t>
+            </a:r>
+            <a:r>
+              <a:rPr lang="en-GB" sz="1100" dirty="0" err="1"/>
+              <a:t>EEProm</a:t>
+            </a:r>
+            <a:r>
+              <a:rPr lang="en-GB" sz="1100" dirty="0"/>
+              <a:t> – showing values on the serial terminal, and more constants insights</a:t>
             </a:r>
           </a:p>
           <a:p>
@@ -10418,7 +10032,15 @@
             </a:pPr>
             <a:r>
               <a:rPr lang="en-GB" sz="1100" dirty="0"/>
-              <a:t>Using PWM, 7  ways,  to dim the LEDS</a:t>
+              <a:t>Using PWM, </a:t>
+            </a:r>
+            <a:r>
+              <a:rPr lang="en-GB" sz="1100" dirty="0" smtClean="0"/>
+              <a:t>many ways</a:t>
+            </a:r>
+            <a:r>
+              <a:rPr lang="en-GB" sz="1100" dirty="0"/>
+              <a:t>,  to dim the LEDS</a:t>
             </a:r>
           </a:p>
           <a:p>
@@ -10444,7 +10066,15 @@
             </a:pPr>
             <a:r>
               <a:rPr lang="en-GB" sz="1100" dirty="0"/>
-              <a:t>Using storage within the chip – Progmem, SAF memory, EEPROM and DATA blocks</a:t>
+              <a:t>Using storage within the chip – Progmem, </a:t>
+            </a:r>
+            <a:r>
+              <a:rPr lang="en-GB" sz="1100" dirty="0" smtClean="0"/>
+              <a:t>EEPROM </a:t>
+            </a:r>
+            <a:r>
+              <a:rPr lang="en-GB" sz="1100" dirty="0"/>
+              <a:t>and DATA blocks</a:t>
             </a:r>
           </a:p>
           <a:p>
@@ -10456,21 +10086,12 @@
               <a:buAutoNum type="arabicPeriod"/>
             </a:pPr>
             <a:r>
+              <a:rPr lang="en-GB" sz="1100" dirty="0" smtClean="0"/>
+              <a:t>The </a:t>
+            </a:r>
+            <a:r>
               <a:rPr lang="en-GB" sz="1100" dirty="0"/>
-              <a:t>Using CLC</a:t>
-            </a:r>
-          </a:p>
-          <a:p>
-            <a:pPr marL="180000" indent="-478483">
-              <a:spcBef>
-                <a:spcPts val="300"/>
-              </a:spcBef>
-              <a:buFont typeface="+mj-lt"/>
-              <a:buAutoNum type="arabicPeriod"/>
-            </a:pPr>
-            <a:r>
-              <a:rPr lang="en-GB" sz="1100" dirty="0"/>
-              <a:t>The GCBASIC tool chain</a:t>
+              <a:t>GCBASIC tool chain</a:t>
             </a:r>
           </a:p>
           <a:p>
@@ -10579,7 +10200,7 @@
     </p:spTree>
     <p:extLst>
       <p:ext uri="{BB962C8B-B14F-4D97-AF65-F5344CB8AC3E}">
-        <p14:creationId xmlns:p14="http://schemas.microsoft.com/office/powerpoint/2010/main" val="1074978209"/>
+        <p14:creationId xmlns:p14="http://schemas.microsoft.com/office/powerpoint/2010/main" val="1013553693"/>
       </p:ext>
     </p:extLst>
   </p:cSld>
@@ -10623,12 +10244,12 @@
       </p:grpSpPr>
       <p:sp>
         <p:nvSpPr>
-          <p:cNvPr id="2" name="Title 1"/>
+          <p:cNvPr id="4" name="Title 3"/>
           <p:cNvSpPr>
             <a:spLocks noGrp="1"/>
           </p:cNvSpPr>
           <p:nvPr>
-            <p:ph type="ctrTitle"/>
+            <p:ph type="title"/>
           </p:nvPr>
         </p:nvSpPr>
         <p:spPr/>
@@ -10644,376 +10265,51 @@
           </a:p>
         </p:txBody>
       </p:sp>
-      <p:pic>
-        <p:nvPicPr>
-          <p:cNvPr id="1026" name="Picture 2" descr="D:\Build\AnobiumTransparent.jpg"/>
-          <p:cNvPicPr>
-            <a:picLocks noChangeAspect="1" noChangeArrowheads="1"/>
-          </p:cNvPicPr>
-          <p:nvPr/>
-        </p:nvPicPr>
-        <p:blipFill>
-          <a:blip r:embed="rId2" cstate="print"/>
-          <a:srcRect/>
-          <a:stretch>
-            <a:fillRect/>
-          </a:stretch>
-        </p:blipFill>
-        <p:spPr bwMode="auto">
-          <a:xfrm>
-            <a:off x="5292080" y="911052"/>
-            <a:ext cx="1828859" cy="771550"/>
-          </a:xfrm>
-          <a:prstGeom prst="rect">
-            <a:avLst/>
-          </a:prstGeom>
-          <a:noFill/>
-        </p:spPr>
-      </p:pic>
-      <p:sp>
-        <p:nvSpPr>
-          <p:cNvPr id="4" name="AutoShape 2" descr="ICSP connection"/>
-          <p:cNvSpPr>
-            <a:spLocks noChangeAspect="1" noChangeArrowheads="1"/>
-          </p:cNvSpPr>
-          <p:nvPr/>
-        </p:nvSpPr>
-        <p:spPr bwMode="auto">
-          <a:xfrm>
-            <a:off x="155575" y="-144462"/>
-            <a:ext cx="304800" cy="304801"/>
-          </a:xfrm>
-          <a:prstGeom prst="rect">
-            <a:avLst/>
-          </a:prstGeom>
-          <a:noFill/>
-        </p:spPr>
-        <p:txBody>
-          <a:bodyPr vert="horz" wrap="square" lIns="85064" tIns="42531" rIns="85064" bIns="42531" numCol="1" anchor="t" anchorCtr="0" compatLnSpc="1">
-            <a:prstTxWarp prst="textNoShape">
-              <a:avLst/>
-            </a:prstTxWarp>
+      <p:sp>
+        <p:nvSpPr>
+          <p:cNvPr id="5" name="Text Placeholder 4"/>
+          <p:cNvSpPr>
+            <a:spLocks noGrp="1"/>
+          </p:cNvSpPr>
+          <p:nvPr>
+            <p:ph type="body" idx="1"/>
+          </p:nvPr>
+        </p:nvSpPr>
+        <p:spPr/>
+        <p:txBody>
+          <a:bodyPr>
+            <a:normAutofit/>
           </a:bodyPr>
           <a:lstStyle/>
           <a:p>
+            <a:r>
+              <a:rPr lang="en-GB" dirty="0" smtClean="0"/>
+              <a:t>PIC16Fxxxx chip Family ( Legacy )</a:t>
+            </a:r>
+          </a:p>
+          <a:p>
+            <a:r>
+              <a:rPr lang="en-GB" dirty="0"/>
+              <a:t>Part </a:t>
+            </a:r>
+            <a:r>
+              <a:rPr lang="en-GB" dirty="0" smtClean="0"/>
+              <a:t>10 – Using the EEPROM</a:t>
+            </a:r>
             <a:endParaRPr lang="en-GB" dirty="0"/>
           </a:p>
         </p:txBody>
       </p:sp>
-      <p:sp>
-        <p:nvSpPr>
-          <p:cNvPr id="8" name="Text Placeholder 4"/>
-          <p:cNvSpPr txBox="1">
-            <a:spLocks/>
-          </p:cNvSpPr>
-          <p:nvPr/>
-        </p:nvSpPr>
-        <p:spPr>
-          <a:xfrm>
-            <a:off x="3805512" y="2931790"/>
-            <a:ext cx="3342861" cy="645300"/>
-          </a:xfrm>
-          <a:prstGeom prst="rect">
-            <a:avLst/>
-          </a:prstGeom>
-        </p:spPr>
-        <p:txBody>
-          <a:bodyPr vert="horz" lIns="68580" tIns="34290" rIns="68580" bIns="34290" rtlCol="0" anchor="t">
-            <a:normAutofit/>
-          </a:bodyPr>
-          <a:lstStyle>
-            <a:lvl1pPr marL="0" indent="0" algn="r" defTabSz="342900" rtl="0" eaLnBrk="1" latinLnBrk="0" hangingPunct="1">
-              <a:spcBef>
-                <a:spcPts val="750"/>
-              </a:spcBef>
-              <a:spcAft>
-                <a:spcPts val="0"/>
-              </a:spcAft>
-              <a:buClr>
-                <a:schemeClr val="accent1"/>
-              </a:buClr>
-              <a:buSzPct val="80000"/>
-              <a:buFont typeface="Wingdings 3" charset="2"/>
-              <a:buNone/>
-              <a:defRPr sz="1400" kern="1200">
-                <a:solidFill>
-                  <a:schemeClr val="tx1">
-                    <a:lumMod val="50000"/>
-                    <a:lumOff val="50000"/>
-                  </a:schemeClr>
-                </a:solidFill>
-                <a:latin typeface="+mn-lt"/>
-                <a:ea typeface="+mn-ea"/>
-                <a:cs typeface="+mn-cs"/>
-              </a:defRPr>
-            </a:lvl1pPr>
-            <a:lvl2pPr marL="342900" indent="0" algn="ctr" defTabSz="342900" rtl="0" eaLnBrk="1" latinLnBrk="0" hangingPunct="1">
-              <a:spcBef>
-                <a:spcPts val="750"/>
-              </a:spcBef>
-              <a:spcAft>
-                <a:spcPts val="0"/>
-              </a:spcAft>
-              <a:buClr>
-                <a:schemeClr val="accent1"/>
-              </a:buClr>
-              <a:buSzPct val="80000"/>
-              <a:buFont typeface="Wingdings 3" charset="2"/>
-              <a:buNone/>
-              <a:defRPr sz="1200" kern="1200">
-                <a:solidFill>
-                  <a:schemeClr val="tx1">
-                    <a:tint val="75000"/>
-                  </a:schemeClr>
-                </a:solidFill>
-                <a:latin typeface="+mn-lt"/>
-                <a:ea typeface="+mn-ea"/>
-                <a:cs typeface="+mn-cs"/>
-              </a:defRPr>
-            </a:lvl2pPr>
-            <a:lvl3pPr marL="685800" indent="0" algn="ctr" defTabSz="342900" rtl="0" eaLnBrk="1" latinLnBrk="0" hangingPunct="1">
-              <a:spcBef>
-                <a:spcPts val="750"/>
-              </a:spcBef>
-              <a:spcAft>
-                <a:spcPts val="0"/>
-              </a:spcAft>
-              <a:buClr>
-                <a:schemeClr val="accent1"/>
-              </a:buClr>
-              <a:buSzPct val="80000"/>
-              <a:buFont typeface="Wingdings 3" charset="2"/>
-              <a:buNone/>
-              <a:defRPr sz="1100" kern="1200">
-                <a:solidFill>
-                  <a:schemeClr val="tx1">
-                    <a:tint val="75000"/>
-                  </a:schemeClr>
-                </a:solidFill>
-                <a:latin typeface="+mn-lt"/>
-                <a:ea typeface="+mn-ea"/>
-                <a:cs typeface="+mn-cs"/>
-              </a:defRPr>
-            </a:lvl3pPr>
-            <a:lvl4pPr marL="1028700" indent="0" algn="ctr" defTabSz="342900" rtl="0" eaLnBrk="1" latinLnBrk="0" hangingPunct="1">
-              <a:spcBef>
-                <a:spcPts val="750"/>
-              </a:spcBef>
-              <a:spcAft>
-                <a:spcPts val="0"/>
-              </a:spcAft>
-              <a:buClr>
-                <a:schemeClr val="accent1"/>
-              </a:buClr>
-              <a:buSzPct val="80000"/>
-              <a:buFont typeface="Wingdings 3" charset="2"/>
-              <a:buNone/>
-              <a:defRPr sz="900" kern="1200">
-                <a:solidFill>
-                  <a:schemeClr val="tx1">
-                    <a:tint val="75000"/>
-                  </a:schemeClr>
-                </a:solidFill>
-                <a:latin typeface="+mn-lt"/>
-                <a:ea typeface="+mn-ea"/>
-                <a:cs typeface="+mn-cs"/>
-              </a:defRPr>
-            </a:lvl4pPr>
-            <a:lvl5pPr marL="1371600" indent="0" algn="ctr" defTabSz="342900" rtl="0" eaLnBrk="1" latinLnBrk="0" hangingPunct="1">
-              <a:spcBef>
-                <a:spcPts val="750"/>
-              </a:spcBef>
-              <a:spcAft>
-                <a:spcPts val="0"/>
-              </a:spcAft>
-              <a:buClr>
-                <a:schemeClr val="accent1"/>
-              </a:buClr>
-              <a:buSzPct val="80000"/>
-              <a:buFont typeface="Wingdings 3" charset="2"/>
-              <a:buNone/>
-              <a:defRPr sz="900" kern="1200">
-                <a:solidFill>
-                  <a:schemeClr val="tx1">
-                    <a:tint val="75000"/>
-                  </a:schemeClr>
-                </a:solidFill>
-                <a:latin typeface="+mn-lt"/>
-                <a:ea typeface="+mn-ea"/>
-                <a:cs typeface="+mn-cs"/>
-              </a:defRPr>
-            </a:lvl5pPr>
-            <a:lvl6pPr marL="1714500" indent="0" algn="ctr" defTabSz="342900" rtl="0" eaLnBrk="1" latinLnBrk="0" hangingPunct="1">
-              <a:spcBef>
-                <a:spcPts val="750"/>
-              </a:spcBef>
-              <a:spcAft>
-                <a:spcPts val="0"/>
-              </a:spcAft>
-              <a:buClr>
-                <a:schemeClr val="accent1"/>
-              </a:buClr>
-              <a:buSzPct val="80000"/>
-              <a:buFont typeface="Wingdings 3" charset="2"/>
-              <a:buNone/>
-              <a:defRPr sz="900" kern="1200">
-                <a:solidFill>
-                  <a:schemeClr val="tx1">
-                    <a:tint val="75000"/>
-                  </a:schemeClr>
-                </a:solidFill>
-                <a:latin typeface="+mn-lt"/>
-                <a:ea typeface="+mn-ea"/>
-                <a:cs typeface="+mn-cs"/>
-              </a:defRPr>
-            </a:lvl6pPr>
-            <a:lvl7pPr marL="2057400" indent="0" algn="ctr" defTabSz="342900" rtl="0" eaLnBrk="1" latinLnBrk="0" hangingPunct="1">
-              <a:spcBef>
-                <a:spcPts val="750"/>
-              </a:spcBef>
-              <a:spcAft>
-                <a:spcPts val="0"/>
-              </a:spcAft>
-              <a:buClr>
-                <a:schemeClr val="accent1"/>
-              </a:buClr>
-              <a:buSzPct val="80000"/>
-              <a:buFont typeface="Wingdings 3" charset="2"/>
-              <a:buNone/>
-              <a:defRPr sz="900" kern="1200">
-                <a:solidFill>
-                  <a:schemeClr val="tx1">
-                    <a:tint val="75000"/>
-                  </a:schemeClr>
-                </a:solidFill>
-                <a:latin typeface="+mn-lt"/>
-                <a:ea typeface="+mn-ea"/>
-                <a:cs typeface="+mn-cs"/>
-              </a:defRPr>
-            </a:lvl7pPr>
-            <a:lvl8pPr marL="2400300" indent="0" algn="ctr" defTabSz="342900" rtl="0" eaLnBrk="1" latinLnBrk="0" hangingPunct="1">
-              <a:spcBef>
-                <a:spcPts val="750"/>
-              </a:spcBef>
-              <a:spcAft>
-                <a:spcPts val="0"/>
-              </a:spcAft>
-              <a:buClr>
-                <a:schemeClr val="accent1"/>
-              </a:buClr>
-              <a:buSzPct val="80000"/>
-              <a:buFont typeface="Wingdings 3" charset="2"/>
-              <a:buNone/>
-              <a:defRPr sz="900" kern="1200">
-                <a:solidFill>
-                  <a:schemeClr val="tx1">
-                    <a:tint val="75000"/>
-                  </a:schemeClr>
-                </a:solidFill>
-                <a:latin typeface="+mn-lt"/>
-                <a:ea typeface="+mn-ea"/>
-                <a:cs typeface="+mn-cs"/>
-              </a:defRPr>
-            </a:lvl8pPr>
-            <a:lvl9pPr marL="2743200" indent="0" algn="ctr" defTabSz="342900" rtl="0" eaLnBrk="1" latinLnBrk="0" hangingPunct="1">
-              <a:spcBef>
-                <a:spcPts val="750"/>
-              </a:spcBef>
-              <a:spcAft>
-                <a:spcPts val="0"/>
-              </a:spcAft>
-              <a:buClr>
-                <a:schemeClr val="accent1"/>
-              </a:buClr>
-              <a:buSzPct val="80000"/>
-              <a:buFont typeface="Wingdings 3" charset="2"/>
-              <a:buNone/>
-              <a:defRPr sz="900" kern="1200">
-                <a:solidFill>
-                  <a:schemeClr val="tx1">
-                    <a:tint val="75000"/>
-                  </a:schemeClr>
-                </a:solidFill>
-                <a:latin typeface="+mn-lt"/>
-                <a:ea typeface="+mn-ea"/>
-                <a:cs typeface="+mn-cs"/>
-              </a:defRPr>
-            </a:lvl9pPr>
-          </a:lstStyle>
-          <a:p>
-            <a:r>
-              <a:rPr lang="en-GB" dirty="0" smtClean="0"/>
-              <a:t>PIC18FxxQ24</a:t>
-            </a:r>
-          </a:p>
-          <a:p>
-            <a:r>
-              <a:rPr lang="en-GB" dirty="0" smtClean="0"/>
-              <a:t>Part 10 - EEPROM Operations</a:t>
-            </a:r>
-            <a:endParaRPr lang="en-GB" dirty="0"/>
-          </a:p>
-        </p:txBody>
-      </p:sp>
-      <p:pic>
-        <p:nvPicPr>
-          <p:cNvPr id="10" name="Picture 2" descr="PIC18F26Q24"/>
-          <p:cNvPicPr>
-            <a:picLocks noChangeAspect="1" noChangeArrowheads="1"/>
-          </p:cNvPicPr>
-          <p:nvPr/>
-        </p:nvPicPr>
-        <p:blipFill>
-          <a:blip r:embed="rId3" cstate="print">
-            <a:extLst>
-              <a:ext uri="{28A0092B-C50C-407E-A947-70E740481C1C}">
-                <a14:useLocalDpi xmlns:a14="http://schemas.microsoft.com/office/drawing/2010/main" val="0"/>
-              </a:ext>
-            </a:extLst>
-          </a:blip>
-          <a:srcRect/>
-          <a:stretch>
-            <a:fillRect/>
-          </a:stretch>
-        </p:blipFill>
-        <p:spPr bwMode="auto">
-          <a:xfrm>
-            <a:off x="1907705" y="4116163"/>
-            <a:ext cx="1280738" cy="922132"/>
-          </a:xfrm>
-          <a:prstGeom prst="rect">
-            <a:avLst/>
-          </a:prstGeom>
-          <a:noFill/>
-          <a:extLst>
-            <a:ext uri="{909E8E84-426E-40DD-AFC4-6F175D3DCCD1}">
-              <a14:hiddenFill xmlns:a14="http://schemas.microsoft.com/office/drawing/2010/main">
-                <a:solidFill>
-                  <a:srgbClr val="FFFFFF"/>
-                </a:solidFill>
-              </a14:hiddenFill>
-            </a:ext>
-          </a:extLst>
-        </p:spPr>
-      </p:pic>
     </p:spTree>
     <p:extLst>
       <p:ext uri="{BB962C8B-B14F-4D97-AF65-F5344CB8AC3E}">
-        <p14:creationId xmlns:p14="http://schemas.microsoft.com/office/powerpoint/2010/main" val="2544629102"/>
+        <p14:creationId xmlns:p14="http://schemas.microsoft.com/office/powerpoint/2010/main" val="2156219219"/>
       </p:ext>
     </p:extLst>
   </p:cSld>
   <p:clrMapOvr>
     <a:masterClrMapping/>
   </p:clrMapOvr>
-  <mc:AlternateContent xmlns:mc="http://schemas.openxmlformats.org/markup-compatibility/2006" xmlns:p14="http://schemas.microsoft.com/office/powerpoint/2010/main">
-    <mc:Choice Requires="p14">
-      <p:transition spd="slow" p14:dur="2000"/>
-    </mc:Choice>
-    <mc:Fallback xmlns="">
-      <p:transition spd="slow"/>
-    </mc:Fallback>
-  </mc:AlternateContent>
   <p:timing>
     <p:tnLst>
       <p:par>
@@ -11064,6 +10360,49 @@
           </a:p>
         </p:txBody>
       </p:sp>
+      <p:sp>
+        <p:nvSpPr>
+          <p:cNvPr id="3" name="Subtitle 2"/>
+          <p:cNvSpPr>
+            <a:spLocks noGrp="1"/>
+          </p:cNvSpPr>
+          <p:nvPr>
+            <p:ph type="subTitle" idx="1"/>
+          </p:nvPr>
+        </p:nvSpPr>
+        <p:spPr>
+          <a:xfrm>
+            <a:off x="179513" y="2914650"/>
+            <a:ext cx="6840759" cy="1925352"/>
+          </a:xfrm>
+        </p:spPr>
+        <p:txBody>
+          <a:bodyPr>
+            <a:normAutofit/>
+          </a:bodyPr>
+          <a:lstStyle/>
+          <a:p>
+            <a:r>
+              <a:rPr lang="en-GB" dirty="0" smtClean="0"/>
+              <a:t>PIC16Fxxxx chip Family ( Legacy )</a:t>
+            </a:r>
+            <a:endParaRPr lang="en-GB" dirty="0"/>
+          </a:p>
+          <a:p>
+            <a:r>
+              <a:rPr lang="en-GB" dirty="0"/>
+              <a:t>Part 10 – Using the EEPROM</a:t>
+            </a:r>
+          </a:p>
+          <a:p>
+            <a:r>
+              <a:rPr lang="en-GB" sz="1700" dirty="0" smtClean="0"/>
+              <a:t>January 2025</a:t>
+            </a:r>
+            <a:endParaRPr lang="en-GB" sz="1700" dirty="0"/>
+          </a:p>
+        </p:txBody>
+      </p:sp>
       <p:pic>
         <p:nvPicPr>
           <p:cNvPr id="1026" name="Picture 2" descr="D:\Build\AnobiumTransparent.jpg"/>
@@ -11120,303 +10459,12 @@
           </a:p>
         </p:txBody>
       </p:sp>
-      <p:sp>
-        <p:nvSpPr>
-          <p:cNvPr id="8" name="Text Placeholder 4"/>
-          <p:cNvSpPr txBox="1">
-            <a:spLocks/>
-          </p:cNvSpPr>
-          <p:nvPr/>
-        </p:nvSpPr>
-        <p:spPr>
-          <a:xfrm>
-            <a:off x="3805512" y="2931790"/>
-            <a:ext cx="3342861" cy="645300"/>
-          </a:xfrm>
-          <a:prstGeom prst="rect">
-            <a:avLst/>
-          </a:prstGeom>
-        </p:spPr>
-        <p:txBody>
-          <a:bodyPr vert="horz" lIns="68580" tIns="34290" rIns="68580" bIns="34290" rtlCol="0" anchor="t">
-            <a:normAutofit/>
-          </a:bodyPr>
-          <a:lstStyle>
-            <a:lvl1pPr marL="0" indent="0" algn="r" defTabSz="342900" rtl="0" eaLnBrk="1" latinLnBrk="0" hangingPunct="1">
-              <a:spcBef>
-                <a:spcPts val="750"/>
-              </a:spcBef>
-              <a:spcAft>
-                <a:spcPts val="0"/>
-              </a:spcAft>
-              <a:buClr>
-                <a:schemeClr val="accent1"/>
-              </a:buClr>
-              <a:buSzPct val="80000"/>
-              <a:buFont typeface="Wingdings 3" charset="2"/>
-              <a:buNone/>
-              <a:defRPr sz="1400" kern="1200">
-                <a:solidFill>
-                  <a:schemeClr val="tx1">
-                    <a:lumMod val="50000"/>
-                    <a:lumOff val="50000"/>
-                  </a:schemeClr>
-                </a:solidFill>
-                <a:latin typeface="+mn-lt"/>
-                <a:ea typeface="+mn-ea"/>
-                <a:cs typeface="+mn-cs"/>
-              </a:defRPr>
-            </a:lvl1pPr>
-            <a:lvl2pPr marL="342900" indent="0" algn="ctr" defTabSz="342900" rtl="0" eaLnBrk="1" latinLnBrk="0" hangingPunct="1">
-              <a:spcBef>
-                <a:spcPts val="750"/>
-              </a:spcBef>
-              <a:spcAft>
-                <a:spcPts val="0"/>
-              </a:spcAft>
-              <a:buClr>
-                <a:schemeClr val="accent1"/>
-              </a:buClr>
-              <a:buSzPct val="80000"/>
-              <a:buFont typeface="Wingdings 3" charset="2"/>
-              <a:buNone/>
-              <a:defRPr sz="1200" kern="1200">
-                <a:solidFill>
-                  <a:schemeClr val="tx1">
-                    <a:tint val="75000"/>
-                  </a:schemeClr>
-                </a:solidFill>
-                <a:latin typeface="+mn-lt"/>
-                <a:ea typeface="+mn-ea"/>
-                <a:cs typeface="+mn-cs"/>
-              </a:defRPr>
-            </a:lvl2pPr>
-            <a:lvl3pPr marL="685800" indent="0" algn="ctr" defTabSz="342900" rtl="0" eaLnBrk="1" latinLnBrk="0" hangingPunct="1">
-              <a:spcBef>
-                <a:spcPts val="750"/>
-              </a:spcBef>
-              <a:spcAft>
-                <a:spcPts val="0"/>
-              </a:spcAft>
-              <a:buClr>
-                <a:schemeClr val="accent1"/>
-              </a:buClr>
-              <a:buSzPct val="80000"/>
-              <a:buFont typeface="Wingdings 3" charset="2"/>
-              <a:buNone/>
-              <a:defRPr sz="1100" kern="1200">
-                <a:solidFill>
-                  <a:schemeClr val="tx1">
-                    <a:tint val="75000"/>
-                  </a:schemeClr>
-                </a:solidFill>
-                <a:latin typeface="+mn-lt"/>
-                <a:ea typeface="+mn-ea"/>
-                <a:cs typeface="+mn-cs"/>
-              </a:defRPr>
-            </a:lvl3pPr>
-            <a:lvl4pPr marL="1028700" indent="0" algn="ctr" defTabSz="342900" rtl="0" eaLnBrk="1" latinLnBrk="0" hangingPunct="1">
-              <a:spcBef>
-                <a:spcPts val="750"/>
-              </a:spcBef>
-              <a:spcAft>
-                <a:spcPts val="0"/>
-              </a:spcAft>
-              <a:buClr>
-                <a:schemeClr val="accent1"/>
-              </a:buClr>
-              <a:buSzPct val="80000"/>
-              <a:buFont typeface="Wingdings 3" charset="2"/>
-              <a:buNone/>
-              <a:defRPr sz="900" kern="1200">
-                <a:solidFill>
-                  <a:schemeClr val="tx1">
-                    <a:tint val="75000"/>
-                  </a:schemeClr>
-                </a:solidFill>
-                <a:latin typeface="+mn-lt"/>
-                <a:ea typeface="+mn-ea"/>
-                <a:cs typeface="+mn-cs"/>
-              </a:defRPr>
-            </a:lvl4pPr>
-            <a:lvl5pPr marL="1371600" indent="0" algn="ctr" defTabSz="342900" rtl="0" eaLnBrk="1" latinLnBrk="0" hangingPunct="1">
-              <a:spcBef>
-                <a:spcPts val="750"/>
-              </a:spcBef>
-              <a:spcAft>
-                <a:spcPts val="0"/>
-              </a:spcAft>
-              <a:buClr>
-                <a:schemeClr val="accent1"/>
-              </a:buClr>
-              <a:buSzPct val="80000"/>
-              <a:buFont typeface="Wingdings 3" charset="2"/>
-              <a:buNone/>
-              <a:defRPr sz="900" kern="1200">
-                <a:solidFill>
-                  <a:schemeClr val="tx1">
-                    <a:tint val="75000"/>
-                  </a:schemeClr>
-                </a:solidFill>
-                <a:latin typeface="+mn-lt"/>
-                <a:ea typeface="+mn-ea"/>
-                <a:cs typeface="+mn-cs"/>
-              </a:defRPr>
-            </a:lvl5pPr>
-            <a:lvl6pPr marL="1714500" indent="0" algn="ctr" defTabSz="342900" rtl="0" eaLnBrk="1" latinLnBrk="0" hangingPunct="1">
-              <a:spcBef>
-                <a:spcPts val="750"/>
-              </a:spcBef>
-              <a:spcAft>
-                <a:spcPts val="0"/>
-              </a:spcAft>
-              <a:buClr>
-                <a:schemeClr val="accent1"/>
-              </a:buClr>
-              <a:buSzPct val="80000"/>
-              <a:buFont typeface="Wingdings 3" charset="2"/>
-              <a:buNone/>
-              <a:defRPr sz="900" kern="1200">
-                <a:solidFill>
-                  <a:schemeClr val="tx1">
-                    <a:tint val="75000"/>
-                  </a:schemeClr>
-                </a:solidFill>
-                <a:latin typeface="+mn-lt"/>
-                <a:ea typeface="+mn-ea"/>
-                <a:cs typeface="+mn-cs"/>
-              </a:defRPr>
-            </a:lvl6pPr>
-            <a:lvl7pPr marL="2057400" indent="0" algn="ctr" defTabSz="342900" rtl="0" eaLnBrk="1" latinLnBrk="0" hangingPunct="1">
-              <a:spcBef>
-                <a:spcPts val="750"/>
-              </a:spcBef>
-              <a:spcAft>
-                <a:spcPts val="0"/>
-              </a:spcAft>
-              <a:buClr>
-                <a:schemeClr val="accent1"/>
-              </a:buClr>
-              <a:buSzPct val="80000"/>
-              <a:buFont typeface="Wingdings 3" charset="2"/>
-              <a:buNone/>
-              <a:defRPr sz="900" kern="1200">
-                <a:solidFill>
-                  <a:schemeClr val="tx1">
-                    <a:tint val="75000"/>
-                  </a:schemeClr>
-                </a:solidFill>
-                <a:latin typeface="+mn-lt"/>
-                <a:ea typeface="+mn-ea"/>
-                <a:cs typeface="+mn-cs"/>
-              </a:defRPr>
-            </a:lvl7pPr>
-            <a:lvl8pPr marL="2400300" indent="0" algn="ctr" defTabSz="342900" rtl="0" eaLnBrk="1" latinLnBrk="0" hangingPunct="1">
-              <a:spcBef>
-                <a:spcPts val="750"/>
-              </a:spcBef>
-              <a:spcAft>
-                <a:spcPts val="0"/>
-              </a:spcAft>
-              <a:buClr>
-                <a:schemeClr val="accent1"/>
-              </a:buClr>
-              <a:buSzPct val="80000"/>
-              <a:buFont typeface="Wingdings 3" charset="2"/>
-              <a:buNone/>
-              <a:defRPr sz="900" kern="1200">
-                <a:solidFill>
-                  <a:schemeClr val="tx1">
-                    <a:tint val="75000"/>
-                  </a:schemeClr>
-                </a:solidFill>
-                <a:latin typeface="+mn-lt"/>
-                <a:ea typeface="+mn-ea"/>
-                <a:cs typeface="+mn-cs"/>
-              </a:defRPr>
-            </a:lvl8pPr>
-            <a:lvl9pPr marL="2743200" indent="0" algn="ctr" defTabSz="342900" rtl="0" eaLnBrk="1" latinLnBrk="0" hangingPunct="1">
-              <a:spcBef>
-                <a:spcPts val="750"/>
-              </a:spcBef>
-              <a:spcAft>
-                <a:spcPts val="0"/>
-              </a:spcAft>
-              <a:buClr>
-                <a:schemeClr val="accent1"/>
-              </a:buClr>
-              <a:buSzPct val="80000"/>
-              <a:buFont typeface="Wingdings 3" charset="2"/>
-              <a:buNone/>
-              <a:defRPr sz="900" kern="1200">
-                <a:solidFill>
-                  <a:schemeClr val="tx1">
-                    <a:tint val="75000"/>
-                  </a:schemeClr>
-                </a:solidFill>
-                <a:latin typeface="+mn-lt"/>
-                <a:ea typeface="+mn-ea"/>
-                <a:cs typeface="+mn-cs"/>
-              </a:defRPr>
-            </a:lvl9pPr>
-          </a:lstStyle>
-          <a:p>
-            <a:r>
-              <a:rPr lang="en-GB" dirty="0" smtClean="0"/>
-              <a:t>PIC18FxxQ24</a:t>
-            </a:r>
-          </a:p>
-          <a:p>
-            <a:r>
-              <a:rPr lang="en-GB" dirty="0" smtClean="0"/>
-              <a:t>Part 10 - EEPROM Operations</a:t>
-            </a:r>
-            <a:endParaRPr lang="en-GB" dirty="0"/>
-          </a:p>
-        </p:txBody>
-      </p:sp>
-      <p:pic>
-        <p:nvPicPr>
-          <p:cNvPr id="10" name="Picture 2" descr="PIC18F26Q24"/>
-          <p:cNvPicPr>
-            <a:picLocks noChangeAspect="1" noChangeArrowheads="1"/>
-          </p:cNvPicPr>
-          <p:nvPr/>
-        </p:nvPicPr>
-        <p:blipFill>
-          <a:blip r:embed="rId3" cstate="print">
-            <a:extLst>
-              <a:ext uri="{28A0092B-C50C-407E-A947-70E740481C1C}">
-                <a14:useLocalDpi xmlns:a14="http://schemas.microsoft.com/office/drawing/2010/main" val="0"/>
-              </a:ext>
-            </a:extLst>
-          </a:blip>
-          <a:srcRect/>
-          <a:stretch>
-            <a:fillRect/>
-          </a:stretch>
-        </p:blipFill>
-        <p:spPr bwMode="auto">
-          <a:xfrm>
-            <a:off x="1907705" y="4116163"/>
-            <a:ext cx="1280738" cy="922132"/>
-          </a:xfrm>
-          <a:prstGeom prst="rect">
-            <a:avLst/>
-          </a:prstGeom>
-          <a:noFill/>
-          <a:extLst>
-            <a:ext uri="{909E8E84-426E-40DD-AFC4-6F175D3DCCD1}">
-              <a14:hiddenFill xmlns:a14="http://schemas.microsoft.com/office/drawing/2010/main">
-                <a:solidFill>
-                  <a:srgbClr val="FFFFFF"/>
-                </a:solidFill>
-              </a14:hiddenFill>
-            </a:ext>
-          </a:extLst>
-        </p:spPr>
-      </p:pic>
     </p:spTree>
+    <p:extLst>
+      <p:ext uri="{BB962C8B-B14F-4D97-AF65-F5344CB8AC3E}">
+        <p14:creationId xmlns:p14="http://schemas.microsoft.com/office/powerpoint/2010/main" val="1620143586"/>
+      </p:ext>
+    </p:extLst>
   </p:cSld>
   <p:clrMapOvr>
     <a:masterClrMapping/>
@@ -11612,121 +10660,10 @@
           </a:p>
         </p:txBody>
       </p:sp>
-      <p:pic>
-        <p:nvPicPr>
-          <p:cNvPr id="8" name="Picture 2" descr="PIC18F26Q24"/>
-          <p:cNvPicPr>
-            <a:picLocks noChangeAspect="1" noChangeArrowheads="1"/>
-          </p:cNvPicPr>
-          <p:nvPr/>
-        </p:nvPicPr>
-        <p:blipFill>
-          <a:blip r:embed="rId3" cstate="print">
-            <a:extLst>
-              <a:ext uri="{28A0092B-C50C-407E-A947-70E740481C1C}">
-                <a14:useLocalDpi xmlns:a14="http://schemas.microsoft.com/office/drawing/2010/main" val="0"/>
-              </a:ext>
-            </a:extLst>
-          </a:blip>
-          <a:srcRect/>
-          <a:stretch>
-            <a:fillRect/>
-          </a:stretch>
-        </p:blipFill>
-        <p:spPr bwMode="auto">
-          <a:xfrm>
-            <a:off x="1907705" y="4116163"/>
-            <a:ext cx="1280738" cy="922132"/>
-          </a:xfrm>
-          <a:prstGeom prst="rect">
-            <a:avLst/>
-          </a:prstGeom>
-          <a:noFill/>
-          <a:extLst>
-            <a:ext uri="{909E8E84-426E-40DD-AFC4-6F175D3DCCD1}">
-              <a14:hiddenFill xmlns:a14="http://schemas.microsoft.com/office/drawing/2010/main">
-                <a:solidFill>
-                  <a:srgbClr val="FFFFFF"/>
-                </a:solidFill>
-              </a14:hiddenFill>
-            </a:ext>
-          </a:extLst>
-        </p:spPr>
-      </p:pic>
-      <p:pic>
-        <p:nvPicPr>
-          <p:cNvPr id="10" name="Picture 8" descr="C:\Users\admin\OneDrive\Desktop\Picture1.jpg"/>
-          <p:cNvPicPr>
-            <a:picLocks noChangeAspect="1" noChangeArrowheads="1"/>
-          </p:cNvPicPr>
-          <p:nvPr/>
-        </p:nvPicPr>
-        <p:blipFill>
-          <a:blip r:embed="rId4">
-            <a:extLst>
-              <a:ext uri="{28A0092B-C50C-407E-A947-70E740481C1C}">
-                <a14:useLocalDpi xmlns:a14="http://schemas.microsoft.com/office/drawing/2010/main" val="0"/>
-              </a:ext>
-            </a:extLst>
-          </a:blip>
-          <a:srcRect/>
-          <a:stretch>
-            <a:fillRect/>
-          </a:stretch>
-        </p:blipFill>
-        <p:spPr bwMode="auto">
-          <a:xfrm>
-            <a:off x="3995936" y="3937587"/>
-            <a:ext cx="2320300" cy="1129258"/>
-          </a:xfrm>
-          <a:prstGeom prst="rect">
-            <a:avLst/>
-          </a:prstGeom>
-          <a:noFill/>
-          <a:extLst>
-            <a:ext uri="{909E8E84-426E-40DD-AFC4-6F175D3DCCD1}">
-              <a14:hiddenFill xmlns:a14="http://schemas.microsoft.com/office/drawing/2010/main">
-                <a:solidFill>
-                  <a:srgbClr val="FFFFFF"/>
-                </a:solidFill>
-              </a14:hiddenFill>
-            </a:ext>
-          </a:extLst>
-        </p:spPr>
-      </p:pic>
-      <p:sp>
-        <p:nvSpPr>
-          <p:cNvPr id="11" name="Date Placeholder 3"/>
-          <p:cNvSpPr>
-            <a:spLocks noGrp="1"/>
-          </p:cNvSpPr>
-          <p:nvPr>
-            <p:ph type="dt" sz="half" idx="10"/>
-          </p:nvPr>
-        </p:nvSpPr>
-        <p:spPr>
-          <a:xfrm>
-            <a:off x="6113182" y="4384422"/>
-            <a:ext cx="354882" cy="305233"/>
-          </a:xfrm>
-        </p:spPr>
-        <p:txBody>
-          <a:bodyPr/>
-          <a:lstStyle/>
-          <a:p>
-            <a:fld id="{1E700B27-DE4C-4B9E-BB11-B9027034A00F}" type="datetimeFigureOut">
-              <a:rPr lang="en-US" smtClean="0"/>
-              <a:pPr/>
-              <a:t>11/24/2024</a:t>
-            </a:fld>
-            <a:endParaRPr lang="en-US" dirty="0"/>
-          </a:p>
-        </p:txBody>
-      </p:sp>
     </p:spTree>
     <p:extLst>
       <p:ext uri="{BB962C8B-B14F-4D97-AF65-F5344CB8AC3E}">
-        <p14:creationId xmlns:p14="http://schemas.microsoft.com/office/powerpoint/2010/main" val="2553573428"/>
+        <p14:creationId xmlns:p14="http://schemas.microsoft.com/office/powerpoint/2010/main" val="1220017365"/>
       </p:ext>
     </p:extLst>
   </p:cSld>
@@ -11786,7 +10723,7 @@
             <a:pPr algn="l"/>
             <a:r>
               <a:rPr lang="en-GB" dirty="0" smtClean="0"/>
-              <a:t>PIC18FxxQ24</a:t>
+              <a:t>PIC16Fxxxx</a:t>
             </a:r>
             <a:endParaRPr lang="en-GB" dirty="0"/>
           </a:p>
@@ -11805,27 +10742,39 @@
         <p:spPr/>
         <p:txBody>
           <a:bodyPr>
-            <a:normAutofit fontScale="92500" lnSpcReduction="10000"/>
+            <a:normAutofit/>
           </a:bodyPr>
           <a:lstStyle/>
           <a:p>
             <a:r>
+              <a:rPr lang="en-GB" dirty="0"/>
+              <a:t>PIC16Fxxxx </a:t>
+            </a:r>
+            <a:r>
               <a:rPr lang="en-GB" dirty="0" smtClean="0"/>
-              <a:t>PIC18-Q24 is a high performance PIC18 </a:t>
+              <a:t> is a high performance PIC16</a:t>
             </a:r>
           </a:p>
           <a:p>
             <a:pPr lvl="1"/>
             <a:r>
               <a:rPr lang="en-GB" dirty="0" smtClean="0"/>
-              <a:t>Digital and Analog peripherals </a:t>
+              <a:t>Digital and </a:t>
+            </a:r>
+            <a:r>
+              <a:rPr lang="en-GB" dirty="0" err="1" smtClean="0"/>
+              <a:t>Analog</a:t>
+            </a:r>
+            <a:r>
+              <a:rPr lang="en-GB" dirty="0" smtClean="0"/>
+              <a:t> peripherals </a:t>
             </a:r>
           </a:p>
           <a:p>
             <a:pPr lvl="1"/>
             <a:r>
               <a:rPr lang="en-GB" dirty="0" smtClean="0"/>
-              <a:t>10-bit ADC</a:t>
+              <a:t>8 –bit or 10-bit ADC</a:t>
             </a:r>
           </a:p>
           <a:p>
@@ -11850,26 +10799,12 @@
             </a:r>
           </a:p>
           <a:p>
-            <a:pPr lvl="1"/>
+            <a:endParaRPr lang="en-GB" dirty="0" smtClean="0"/>
+          </a:p>
+          <a:p>
             <a:r>
               <a:rPr lang="en-GB" dirty="0" smtClean="0"/>
-              <a:t>Configurable Logic Cells</a:t>
-            </a:r>
-          </a:p>
-          <a:p>
-            <a:pPr lvl="1"/>
-            <a:r>
-              <a:rPr lang="en-GB" dirty="0" smtClean="0"/>
-              <a:t>Multi voltage domains</a:t>
-            </a:r>
-          </a:p>
-          <a:p>
-            <a:endParaRPr lang="en-GB" dirty="0" smtClean="0"/>
-          </a:p>
-          <a:p>
-            <a:r>
-              <a:rPr lang="en-GB" dirty="0" smtClean="0"/>
-              <a:t>The PIC18xxQ24 offers 28, 40 and 48-pin products in small footprint packages to support customers in a wide variety of applications. </a:t>
+              <a:t>The PIC16 offers 8, 14,18,20, 28, 40 and 48-pin packages to support customers in a wide variety of applications. </a:t>
             </a:r>
           </a:p>
           <a:p>
@@ -11878,6 +10813,11 @@
         </p:txBody>
       </p:sp>
     </p:spTree>
+    <p:extLst>
+      <p:ext uri="{BB962C8B-B14F-4D97-AF65-F5344CB8AC3E}">
+        <p14:creationId xmlns:p14="http://schemas.microsoft.com/office/powerpoint/2010/main" val="1336329607"/>
+      </p:ext>
+    </p:extLst>
   </p:cSld>
   <p:clrMapOvr>
     <a:masterClrMapping/>
@@ -11976,8 +10916,13 @@
             </a:pPr>
             <a:r>
               <a:rPr lang="en-GB" sz="1100" dirty="0"/>
-              <a:t>Install the hardware and make the board work – three LED programs</a:t>
-            </a:r>
+              <a:t>Install the hardware and make the board work </a:t>
+            </a:r>
+            <a:r>
+              <a:rPr lang="en-GB" sz="1100" dirty="0" smtClean="0"/>
+              <a:t>– make LEDs work</a:t>
+            </a:r>
+            <a:endParaRPr lang="en-GB" sz="1100" b="1" dirty="0"/>
           </a:p>
           <a:p>
             <a:pPr marL="180000" indent="-478483">
@@ -12080,15 +11025,7 @@
             </a:pPr>
             <a:r>
               <a:rPr lang="en-GB" sz="1100" dirty="0"/>
-              <a:t>Using the </a:t>
-            </a:r>
-            <a:r>
-              <a:rPr lang="en-GB" sz="1100" dirty="0" smtClean="0"/>
-              <a:t>timer0 </a:t>
-            </a:r>
-            <a:r>
-              <a:rPr lang="en-GB" sz="1100" dirty="0"/>
-              <a:t>overflow, 8bit timer, 16bit timer to flash the LEDs</a:t>
+              <a:t>Using the timer0 overflow, 8bit timer, 16bit timer to flash the LEDs</a:t>
             </a:r>
           </a:p>
           <a:p>
@@ -12101,7 +11038,15 @@
             </a:pPr>
             <a:r>
               <a:rPr lang="en-GB" sz="1100" b="1" dirty="0"/>
-              <a:t>Using EEProm – showing values on the serial terminal, and more constants insights</a:t>
+              <a:t>Using </a:t>
+            </a:r>
+            <a:r>
+              <a:rPr lang="en-GB" sz="1100" b="1" dirty="0" err="1"/>
+              <a:t>EEProm</a:t>
+            </a:r>
+            <a:r>
+              <a:rPr lang="en-GB" sz="1100" b="1" dirty="0"/>
+              <a:t> – showing values on the serial terminal, and more constants insights</a:t>
             </a:r>
           </a:p>
           <a:p>
@@ -12153,7 +11098,15 @@
             </a:pPr>
             <a:r>
               <a:rPr lang="en-GB" sz="1100" dirty="0"/>
-              <a:t>Using PWM, 7  ways,  to dim the LEDS</a:t>
+              <a:t>Using PWM, </a:t>
+            </a:r>
+            <a:r>
+              <a:rPr lang="en-GB" sz="1100" dirty="0" smtClean="0"/>
+              <a:t>many ways</a:t>
+            </a:r>
+            <a:r>
+              <a:rPr lang="en-GB" sz="1100" dirty="0"/>
+              <a:t>,  to dim the LEDS</a:t>
             </a:r>
           </a:p>
           <a:p>
@@ -12179,7 +11132,15 @@
             </a:pPr>
             <a:r>
               <a:rPr lang="en-GB" sz="1100" dirty="0"/>
-              <a:t>Using storage within the chip – Progmem, SAF memory, EEPROM and DATA blocks</a:t>
+              <a:t>Using storage within the chip – Progmem, </a:t>
+            </a:r>
+            <a:r>
+              <a:rPr lang="en-GB" sz="1100" dirty="0" smtClean="0"/>
+              <a:t>EEPROM </a:t>
+            </a:r>
+            <a:r>
+              <a:rPr lang="en-GB" sz="1100" dirty="0"/>
+              <a:t>and DATA blocks</a:t>
             </a:r>
           </a:p>
           <a:p>
@@ -12191,21 +11152,12 @@
               <a:buAutoNum type="arabicPeriod"/>
             </a:pPr>
             <a:r>
+              <a:rPr lang="en-GB" sz="1100" dirty="0" smtClean="0"/>
+              <a:t>The </a:t>
+            </a:r>
+            <a:r>
               <a:rPr lang="en-GB" sz="1100" dirty="0"/>
-              <a:t>Using CLC</a:t>
-            </a:r>
-          </a:p>
-          <a:p>
-            <a:pPr marL="180000" indent="-478483">
-              <a:spcBef>
-                <a:spcPts val="300"/>
-              </a:spcBef>
-              <a:buFont typeface="+mj-lt"/>
-              <a:buAutoNum type="arabicPeriod"/>
-            </a:pPr>
-            <a:r>
-              <a:rPr lang="en-GB" sz="1100" dirty="0"/>
-              <a:t>The GCBASIC tool chain</a:t>
+              <a:t>GCBASIC tool chain</a:t>
             </a:r>
           </a:p>
           <a:p>
@@ -12314,7 +11266,7 @@
     </p:spTree>
     <p:extLst>
       <p:ext uri="{BB962C8B-B14F-4D97-AF65-F5344CB8AC3E}">
-        <p14:creationId xmlns:p14="http://schemas.microsoft.com/office/powerpoint/2010/main" val="1947865557"/>
+        <p14:creationId xmlns:p14="http://schemas.microsoft.com/office/powerpoint/2010/main" val="1479284521"/>
       </p:ext>
     </p:extLst>
   </p:cSld>
@@ -12437,7 +11389,7 @@
         <p:spPr>
           <a:xfrm>
             <a:off x="3563888" y="2643758"/>
-            <a:ext cx="3528392" cy="1393943"/>
+            <a:ext cx="3528392" cy="1655553"/>
           </a:xfrm>
           <a:prstGeom prst="rect">
             <a:avLst/>
@@ -12452,7 +11404,7 @@
           <a:p>
             <a:r>
               <a:rPr lang="en-GB" dirty="0" smtClean="0"/>
-              <a:t>GCBASIC is an Open Source compiler for PIC and AVR microcontrollers</a:t>
+              <a:t>GCBASIC is an Open Source compiler for PIC, AVR and LGT microcontrollers</a:t>
             </a:r>
           </a:p>
           <a:p>
@@ -12461,13 +11413,18 @@
           <a:p>
             <a:r>
               <a:rPr lang="en-GB" dirty="0" smtClean="0"/>
-              <a:t>GCBASIC now supports the 18FxxQ24 chip family</a:t>
+              <a:t>GCBASIC supports the 16Fxxxx chip family</a:t>
             </a:r>
             <a:endParaRPr lang="en-GB" dirty="0"/>
           </a:p>
         </p:txBody>
       </p:sp>
     </p:spTree>
+    <p:extLst>
+      <p:ext uri="{BB962C8B-B14F-4D97-AF65-F5344CB8AC3E}">
+        <p14:creationId xmlns:p14="http://schemas.microsoft.com/office/powerpoint/2010/main" val="3759983202"/>
+      </p:ext>
+    </p:extLst>
   </p:cSld>
   <p:clrMapOvr>
     <a:masterClrMapping/>
@@ -12493,14 +11450,6 @@
 <file path=ppt/slides/slide7.xml><?xml version="1.0" encoding="utf-8"?>
 <p:sld xmlns:a="http://schemas.openxmlformats.org/drawingml/2006/main" xmlns:r="http://schemas.openxmlformats.org/officeDocument/2006/relationships" xmlns:p="http://schemas.openxmlformats.org/presentationml/2006/main">
   <p:cSld>
-    <p:bg>
-      <p:bgPr>
-        <a:solidFill>
-          <a:schemeClr val="bg1"/>
-        </a:solidFill>
-        <a:effectLst/>
-      </p:bgPr>
-    </p:bg>
     <p:spTree>
       <p:nvGrpSpPr>
         <p:cNvPr id="1" name=""/>
@@ -12549,12 +11498,7 @@
             <p:ph idx="1"/>
           </p:nvPr>
         </p:nvSpPr>
-        <p:spPr>
-          <a:xfrm>
-            <a:off x="508001" y="1707654"/>
-            <a:ext cx="6447501" cy="2744167"/>
-          </a:xfrm>
-        </p:spPr>
+        <p:spPr/>
         <p:txBody>
           <a:bodyPr/>
           <a:lstStyle/>
@@ -12582,7 +11526,7 @@
             <a:pPr marL="778521" lvl="1" indent="-478483"/>
             <a:r>
               <a:rPr lang="en-GB" dirty="0" smtClean="0"/>
-              <a:t>Test that you have the 18FxxQ24 attached</a:t>
+              <a:t>Test that you have the PIC attached</a:t>
             </a:r>
           </a:p>
           <a:p>
@@ -12603,35 +11547,46 @@
             <a:pPr marL="778521" lvl="1" indent="-478483"/>
             <a:r>
               <a:rPr lang="en-GB" dirty="0" smtClean="0"/>
-              <a:t>You have </a:t>
-            </a:r>
-            <a:r>
-              <a:rPr lang="en-GB" dirty="0" err="1" smtClean="0"/>
-              <a:t>SWITCHes</a:t>
-            </a:r>
+              <a:t>You have switches connected</a:t>
+            </a:r>
+          </a:p>
+          <a:p>
+            <a:pPr marL="778521" lvl="1" indent="-478483"/>
             <a:r>
               <a:rPr lang="en-GB" dirty="0" smtClean="0"/>
-              <a:t> connected</a:t>
+              <a:t>You have USB/TTL serial converter</a:t>
             </a:r>
           </a:p>
           <a:p>
             <a:pPr marL="778521" lvl="1" indent="-478483"/>
             <a:r>
               <a:rPr lang="en-GB" dirty="0" smtClean="0"/>
-              <a:t>You have a USB/TTL </a:t>
-            </a:r>
-            <a:r>
-              <a:rPr lang="en-GB" dirty="0" smtClean="0"/>
-              <a:t>converter</a:t>
-            </a:r>
+              <a:t>You have LCD</a:t>
+            </a:r>
+          </a:p>
+          <a:p>
+            <a:pPr marL="0" indent="0">
+              <a:buNone/>
+            </a:pPr>
             <a:endParaRPr lang="en-GB" dirty="0" smtClean="0"/>
           </a:p>
+          <a:p>
+            <a:pPr marL="0" indent="0">
+              <a:buNone/>
+            </a:pPr>
+            <a:endParaRPr lang="en-GB" dirty="0"/>
+          </a:p>
         </p:txBody>
       </p:sp>
     </p:spTree>
+    <p:extLst>
+      <p:ext uri="{BB962C8B-B14F-4D97-AF65-F5344CB8AC3E}">
+        <p14:creationId xmlns:p14="http://schemas.microsoft.com/office/powerpoint/2010/main" val="1779508915"/>
+      </p:ext>
+    </p:extLst>
   </p:cSld>
   <p:clrMapOvr>
-    <a:overrideClrMapping bg1="lt1" tx1="dk1" bg2="lt2" tx2="dk2" accent1="accent1" accent2="accent2" accent3="accent3" accent4="accent4" accent5="accent5" accent6="accent6" hlink="hlink" folHlink="folHlink"/>
+    <a:masterClrMapping/>
   </p:clrMapOvr>
   <mc:AlternateContent xmlns:mc="http://schemas.openxmlformats.org/markup-compatibility/2006" xmlns:p14="http://schemas.microsoft.com/office/powerpoint/2010/main">
     <mc:Choice Requires="p14">
@@ -12668,6 +11623,70 @@
           <a:chExt cx="0" cy="0"/>
         </a:xfrm>
       </p:grpSpPr>
+      <p:pic>
+        <p:nvPicPr>
+          <p:cNvPr id="1026" name="Picture 2"/>
+          <p:cNvPicPr>
+            <a:picLocks noChangeAspect="1" noChangeArrowheads="1"/>
+          </p:cNvPicPr>
+          <p:nvPr/>
+        </p:nvPicPr>
+        <p:blipFill>
+          <a:blip r:embed="rId2">
+            <a:extLst>
+              <a:ext uri="{28A0092B-C50C-407E-A947-70E740481C1C}">
+                <a14:useLocalDpi xmlns:a14="http://schemas.microsoft.com/office/drawing/2010/main" val="0"/>
+              </a:ext>
+            </a:extLst>
+          </a:blip>
+          <a:srcRect/>
+          <a:stretch>
+            <a:fillRect/>
+          </a:stretch>
+        </p:blipFill>
+        <p:spPr bwMode="auto">
+          <a:xfrm>
+            <a:off x="107504" y="778048"/>
+            <a:ext cx="5087696" cy="4362922"/>
+          </a:xfrm>
+          <a:prstGeom prst="rect">
+            <a:avLst/>
+          </a:prstGeom>
+          <a:noFill/>
+          <a:ln>
+            <a:noFill/>
+          </a:ln>
+          <a:effectLst/>
+          <a:extLst>
+            <a:ext uri="{909E8E84-426E-40DD-AFC4-6F175D3DCCD1}">
+              <a14:hiddenFill xmlns:a14="http://schemas.microsoft.com/office/drawing/2010/main">
+                <a:solidFill>
+                  <a:schemeClr val="accent1"/>
+                </a:solidFill>
+              </a14:hiddenFill>
+            </a:ext>
+            <a:ext uri="{91240B29-F687-4F45-9708-019B960494DF}">
+              <a14:hiddenLine xmlns:a14="http://schemas.microsoft.com/office/drawing/2010/main" w="9525">
+                <a:solidFill>
+                  <a:schemeClr val="tx1"/>
+                </a:solidFill>
+                <a:miter lim="800000"/>
+                <a:headEnd/>
+                <a:tailEnd/>
+              </a14:hiddenLine>
+            </a:ext>
+            <a:ext uri="{AF507438-7753-43E0-B8FC-AC1667EBCBE1}">
+              <a14:hiddenEffects xmlns:a14="http://schemas.microsoft.com/office/drawing/2010/main">
+                <a:effectLst>
+                  <a:outerShdw dist="35921" dir="2700000" algn="ctr" rotWithShape="0">
+                    <a:schemeClr val="bg2"/>
+                  </a:outerShdw>
+                </a:effectLst>
+              </a14:hiddenEffects>
+            </a:ext>
+          </a:extLst>
+        </p:spPr>
+      </p:pic>
       <p:sp>
         <p:nvSpPr>
           <p:cNvPr id="2" name="Title 1"/>
@@ -12694,64 +11713,14 @@
       </p:sp>
       <p:sp>
         <p:nvSpPr>
-          <p:cNvPr id="3" name="Content Placeholder 2"/>
-          <p:cNvSpPr>
-            <a:spLocks noGrp="1"/>
-          </p:cNvSpPr>
-          <p:nvPr>
-            <p:ph idx="1"/>
-          </p:nvPr>
-        </p:nvSpPr>
-        <p:spPr/>
-        <p:txBody>
-          <a:bodyPr/>
-          <a:lstStyle/>
-          <a:p>
-            <a:r>
-              <a:rPr lang="en-GB" dirty="0" smtClean="0"/>
-              <a:t>Prototype Board</a:t>
-            </a:r>
-            <a:endParaRPr lang="en-GB" dirty="0"/>
-          </a:p>
-          <a:p>
-            <a:r>
-              <a:rPr lang="en-GB" dirty="0" smtClean="0"/>
-              <a:t>Power 5v0</a:t>
-            </a:r>
-          </a:p>
-          <a:p>
-            <a:r>
-              <a:rPr lang="en-GB" dirty="0" smtClean="0"/>
-              <a:t>Programmer</a:t>
-            </a:r>
-          </a:p>
-          <a:p>
-            <a:r>
-              <a:rPr lang="en-GB" dirty="0" smtClean="0"/>
-              <a:t>LEDs &amp; resistors</a:t>
-            </a:r>
-          </a:p>
-          <a:p>
-            <a:r>
-              <a:rPr lang="en-GB" dirty="0" smtClean="0"/>
-              <a:t>Switches &amp; resistors</a:t>
-            </a:r>
-          </a:p>
-          <a:p>
-            <a:endParaRPr lang="en-GB" dirty="0"/>
-          </a:p>
-        </p:txBody>
-      </p:sp>
-      <p:sp>
-        <p:nvSpPr>
-          <p:cNvPr id="4" name="TextBox 3"/>
-          <p:cNvSpPr txBox="1"/>
+          <p:cNvPr id="5" name="Rectangle 4"/>
+          <p:cNvSpPr/>
           <p:nvPr/>
         </p:nvSpPr>
         <p:spPr>
           <a:xfrm>
-            <a:off x="2483768" y="1275606"/>
-            <a:ext cx="4968552" cy="3785652"/>
+            <a:off x="5239650" y="1173882"/>
+            <a:ext cx="3825992" cy="3216265"/>
           </a:xfrm>
           <a:prstGeom prst="rect">
             <a:avLst/>
@@ -12761,304 +11730,519 @@
           </a:solidFill>
         </p:spPr>
         <p:txBody>
-          <a:bodyPr wrap="square" rtlCol="0">
+          <a:bodyPr wrap="square">
             <a:spAutoFit/>
           </a:bodyPr>
           <a:lstStyle/>
           <a:p>
             <a:r>
-              <a:rPr lang="en-GB" sz="1200" b="1" dirty="0">
+              <a:rPr lang="en-GB" sz="700" b="1" dirty="0">
                 <a:latin typeface="Courier New" panose="02070309020205020404" pitchFamily="49" charset="0"/>
                 <a:cs typeface="Courier New" panose="02070309020205020404" pitchFamily="49" charset="0"/>
               </a:rPr>
-              <a:t>    Hardware</a:t>
-            </a:r>
-          </a:p>
-          <a:p>
-            <a:r>
-              <a:rPr lang="en-GB" sz="1200" b="1" dirty="0">
+              <a:t>The PICDEM 2 Plus Demonstration Board </a:t>
+            </a:r>
+            <a:endParaRPr lang="en-GB" sz="700" b="1" dirty="0" smtClean="0">
+              <a:latin typeface="Courier New" panose="02070309020205020404" pitchFamily="49" charset="0"/>
+              <a:cs typeface="Courier New" panose="02070309020205020404" pitchFamily="49" charset="0"/>
+            </a:endParaRPr>
+          </a:p>
+          <a:p>
+            <a:endParaRPr lang="en-GB" sz="700" b="1" dirty="0" smtClean="0">
+              <a:latin typeface="Courier New" panose="02070309020205020404" pitchFamily="49" charset="0"/>
+              <a:cs typeface="Courier New" panose="02070309020205020404" pitchFamily="49" charset="0"/>
+            </a:endParaRPr>
+          </a:p>
+          <a:p>
+            <a:pPr marL="228600" indent="-228600">
+              <a:buAutoNum type="arabicPeriod"/>
+            </a:pPr>
+            <a:r>
+              <a:rPr lang="en-GB" sz="700" dirty="0" smtClean="0">
                 <a:latin typeface="Courier New" panose="02070309020205020404" pitchFamily="49" charset="0"/>
                 <a:cs typeface="Courier New" panose="02070309020205020404" pitchFamily="49" charset="0"/>
               </a:rPr>
-              <a:t>    -------------------PORTA----------------</a:t>
-            </a:r>
-          </a:p>
-          <a:p>
-            <a:r>
-              <a:rPr lang="en-GB" sz="1200" b="1" dirty="0">
+              <a:t>18-</a:t>
+            </a:r>
+            <a:r>
+              <a:rPr lang="en-GB" sz="700" dirty="0">
                 <a:latin typeface="Courier New" panose="02070309020205020404" pitchFamily="49" charset="0"/>
                 <a:cs typeface="Courier New" panose="02070309020205020404" pitchFamily="49" charset="0"/>
               </a:rPr>
-              <a:t>    Bit#:  -7---6---5---4---3---2---1---0---</a:t>
-            </a:r>
-          </a:p>
-          <a:p>
-            <a:r>
-              <a:rPr lang="en-GB" sz="1200" b="1" dirty="0">
+              <a:t>, 28- and 40-pin DIP sockets (although three sockets are provided, only one device may be used at a time) </a:t>
+            </a:r>
+            <a:endParaRPr lang="en-GB" sz="700" dirty="0" smtClean="0">
+              <a:latin typeface="Courier New" panose="02070309020205020404" pitchFamily="49" charset="0"/>
+              <a:cs typeface="Courier New" panose="02070309020205020404" pitchFamily="49" charset="0"/>
+            </a:endParaRPr>
+          </a:p>
+          <a:p>
+            <a:pPr marL="228600" indent="-228600">
+              <a:buAutoNum type="arabicPeriod"/>
+            </a:pPr>
+            <a:r>
+              <a:rPr lang="en-GB" sz="700" dirty="0" smtClean="0">
                 <a:latin typeface="Courier New" panose="02070309020205020404" pitchFamily="49" charset="0"/>
                 <a:cs typeface="Courier New" panose="02070309020205020404" pitchFamily="49" charset="0"/>
               </a:rPr>
-              <a:t>    IO:    </a:t>
-            </a:r>
-            <a:r>
-              <a:rPr lang="en-GB" sz="1200" b="1" dirty="0" smtClean="0">
+              <a:t>On-board</a:t>
+            </a:r>
+            <a:r>
+              <a:rPr lang="en-GB" sz="700" dirty="0">
                 <a:latin typeface="Courier New" panose="02070309020205020404" pitchFamily="49" charset="0"/>
                 <a:cs typeface="Courier New" panose="02070309020205020404" pitchFamily="49" charset="0"/>
               </a:rPr>
-              <a:t>----------------SW----------ADC-</a:t>
-            </a:r>
-            <a:r>
-              <a:rPr lang="en-GB" sz="1200" b="1" dirty="0">
+              <a:t>, +5V regulator for direct input from 9V, 100 mA AC/DC wall adapter or 9V battery, or hooks for a +5V, 100 mA regulated DC supply </a:t>
+            </a:r>
+            <a:endParaRPr lang="en-GB" sz="700" dirty="0" smtClean="0">
+              <a:latin typeface="Courier New" panose="02070309020205020404" pitchFamily="49" charset="0"/>
+              <a:cs typeface="Courier New" panose="02070309020205020404" pitchFamily="49" charset="0"/>
+            </a:endParaRPr>
+          </a:p>
+          <a:p>
+            <a:pPr marL="228600" indent="-228600">
+              <a:buAutoNum type="arabicPeriod"/>
+            </a:pPr>
+            <a:r>
+              <a:rPr lang="en-GB" sz="700" dirty="0" smtClean="0">
                 <a:latin typeface="Courier New" panose="02070309020205020404" pitchFamily="49" charset="0"/>
                 <a:cs typeface="Courier New" panose="02070309020205020404" pitchFamily="49" charset="0"/>
               </a:rPr>
-              <a:t>- </a:t>
-            </a:r>
-          </a:p>
-          <a:p>
-            <a:r>
-              <a:rPr lang="en-GB" sz="1200" b="1" dirty="0">
+              <a:t>RS-232 </a:t>
+            </a:r>
+            <a:r>
+              <a:rPr lang="en-GB" sz="700" dirty="0">
                 <a:latin typeface="Courier New" panose="02070309020205020404" pitchFamily="49" charset="0"/>
                 <a:cs typeface="Courier New" panose="02070309020205020404" pitchFamily="49" charset="0"/>
               </a:rPr>
-              <a:t>    ----------------------------------------</a:t>
-            </a:r>
-          </a:p>
-          <a:p>
-            <a:r>
-              <a:rPr lang="en-GB" sz="1200" b="1" dirty="0">
+              <a:t>socket and associated hardware for direct connection to an RS-232 </a:t>
+            </a:r>
+            <a:r>
+              <a:rPr lang="en-GB" sz="700" dirty="0" smtClean="0">
                 <a:latin typeface="Courier New" panose="02070309020205020404" pitchFamily="49" charset="0"/>
                 <a:cs typeface="Courier New" panose="02070309020205020404" pitchFamily="49" charset="0"/>
               </a:rPr>
-              <a:t/>
-            </a:r>
-            <a:br>
-              <a:rPr lang="en-GB" sz="1200" b="1" dirty="0">
+              <a:t>interface</a:t>
+            </a:r>
+          </a:p>
+          <a:p>
+            <a:pPr marL="228600" indent="-228600">
+              <a:buAutoNum type="arabicPeriod"/>
+            </a:pPr>
+            <a:r>
+              <a:rPr lang="en-GB" sz="700" dirty="0" smtClean="0">
                 <a:latin typeface="Courier New" panose="02070309020205020404" pitchFamily="49" charset="0"/>
                 <a:cs typeface="Courier New" panose="02070309020205020404" pitchFamily="49" charset="0"/>
               </a:rPr>
-            </a:br>
-            <a:r>
-              <a:rPr lang="en-GB" sz="1200" b="1" dirty="0">
+              <a:t>Programmer/debugger </a:t>
+            </a:r>
+            <a:r>
+              <a:rPr lang="en-GB" sz="700" dirty="0">
                 <a:latin typeface="Courier New" panose="02070309020205020404" pitchFamily="49" charset="0"/>
                 <a:cs typeface="Courier New" panose="02070309020205020404" pitchFamily="49" charset="0"/>
               </a:rPr>
-              <a:t>    -------------------PORTB----------------</a:t>
-            </a:r>
-          </a:p>
-          <a:p>
-            <a:r>
-              <a:rPr lang="en-GB" sz="1200" b="1" dirty="0">
+              <a:t>connectivity supporting MPLAB® ICD 3, MPLAB REAL ICE, </a:t>
+            </a:r>
+            <a:r>
+              <a:rPr lang="en-GB" sz="700" dirty="0" err="1">
                 <a:latin typeface="Courier New" panose="02070309020205020404" pitchFamily="49" charset="0"/>
                 <a:cs typeface="Courier New" panose="02070309020205020404" pitchFamily="49" charset="0"/>
               </a:rPr>
-              <a:t>    Bit#:  -7---6---5---4---3---2---1---0---</a:t>
-            </a:r>
-          </a:p>
-          <a:p>
-            <a:r>
-              <a:rPr lang="en-GB" sz="1200" b="1" dirty="0">
-                <a:latin typeface="Courier New" panose="02070309020205020404" pitchFamily="49" charset="0"/>
-                <a:cs typeface="Courier New" panose="02070309020205020404" pitchFamily="49" charset="0"/>
-              </a:rPr>
-              <a:t>    IO:    ----------------LED-LED-LED-LED--</a:t>
-            </a:r>
-          </a:p>
-          <a:p>
-            <a:r>
-              <a:rPr lang="en-GB" sz="1200" b="1" dirty="0">
-                <a:latin typeface="Courier New" panose="02070309020205020404" pitchFamily="49" charset="0"/>
-                <a:cs typeface="Courier New" panose="02070309020205020404" pitchFamily="49" charset="0"/>
-              </a:rPr>
-              <a:t>    ----------------------------------------</a:t>
-            </a:r>
-          </a:p>
-          <a:p>
-            <a:r>
-              <a:rPr lang="en-GB" sz="1200" b="1" dirty="0">
-                <a:latin typeface="Courier New" panose="02070309020205020404" pitchFamily="49" charset="0"/>
-                <a:cs typeface="Courier New" panose="02070309020205020404" pitchFamily="49" charset="0"/>
-              </a:rPr>
-              <a:t>    </a:t>
-            </a:r>
-          </a:p>
-          <a:p>
-            <a:r>
-              <a:rPr lang="en-GB" sz="1200" b="1" dirty="0">
-                <a:latin typeface="Courier New" panose="02070309020205020404" pitchFamily="49" charset="0"/>
-                <a:cs typeface="Courier New" panose="02070309020205020404" pitchFamily="49" charset="0"/>
-              </a:rPr>
-              <a:t>    ------------------PORTC-----------------</a:t>
-            </a:r>
-          </a:p>
-          <a:p>
-            <a:r>
-              <a:rPr lang="en-GB" sz="1200" b="1" dirty="0">
-                <a:latin typeface="Courier New" panose="02070309020205020404" pitchFamily="49" charset="0"/>
-                <a:cs typeface="Courier New" panose="02070309020205020404" pitchFamily="49" charset="0"/>
-              </a:rPr>
-              <a:t>    Bit#:  -X---6---5---4---3---2---1---0---</a:t>
-            </a:r>
-          </a:p>
-          <a:p>
-            <a:r>
-              <a:rPr lang="en-GB" sz="1200" b="1" dirty="0">
-                <a:latin typeface="Courier New" panose="02070309020205020404" pitchFamily="49" charset="0"/>
-                <a:cs typeface="Courier New" panose="02070309020205020404" pitchFamily="49" charset="0"/>
-              </a:rPr>
-              <a:t>    IO:    </a:t>
-            </a:r>
-            <a:r>
-              <a:rPr lang="en-GB" sz="1200" b="1" dirty="0" smtClean="0">
-                <a:latin typeface="Courier New" panose="02070309020205020404" pitchFamily="49" charset="0"/>
-                <a:cs typeface="Courier New" panose="02070309020205020404" pitchFamily="49" charset="0"/>
-              </a:rPr>
-              <a:t>-^--TX---------------------------</a:t>
-            </a:r>
-            <a:endParaRPr lang="en-GB" sz="1200" b="1" dirty="0">
-              <a:latin typeface="Courier New" panose="02070309020205020404" pitchFamily="49" charset="0"/>
-              <a:cs typeface="Courier New" panose="02070309020205020404" pitchFamily="49" charset="0"/>
-            </a:endParaRPr>
-          </a:p>
-          <a:p>
-            <a:r>
-              <a:rPr lang="en-GB" sz="1200" b="1" dirty="0">
-                <a:latin typeface="Courier New" panose="02070309020205020404" pitchFamily="49" charset="0"/>
-                <a:cs typeface="Courier New" panose="02070309020205020404" pitchFamily="49" charset="0"/>
-              </a:rPr>
-              <a:t>    -----VDDIO2----------------------------- </a:t>
-            </a:r>
-            <a:endParaRPr lang="en-GB" sz="1200" b="1" dirty="0" smtClean="0">
-              <a:latin typeface="Courier New" panose="02070309020205020404" pitchFamily="49" charset="0"/>
-              <a:cs typeface="Courier New" panose="02070309020205020404" pitchFamily="49" charset="0"/>
-            </a:endParaRPr>
-          </a:p>
-          <a:p>
-            <a:r>
-              <a:rPr lang="en-GB" sz="1200" b="1" dirty="0">
+              <a:t>PICkit</a:t>
+            </a:r>
+            <a:r>
+              <a:rPr lang="en-GB" sz="700" dirty="0">
                 <a:latin typeface="Courier New" panose="02070309020205020404" pitchFamily="49" charset="0"/>
                 <a:cs typeface="Courier New" panose="02070309020205020404" pitchFamily="49" charset="0"/>
               </a:rPr>
               <a:t> </a:t>
             </a:r>
             <a:r>
-              <a:rPr lang="en-GB" sz="1200" b="1" dirty="0" smtClean="0">
+              <a:rPr lang="en-GB" sz="700" dirty="0" smtClean="0">
                 <a:latin typeface="Courier New" panose="02070309020205020404" pitchFamily="49" charset="0"/>
                 <a:cs typeface="Courier New" panose="02070309020205020404" pitchFamily="49" charset="0"/>
               </a:rPr>
-              <a:t>   You </a:t>
-            </a:r>
-            <a:r>
-              <a:rPr lang="en-GB" sz="1200" b="1" dirty="0">
+              <a:t>2 </a:t>
+            </a:r>
+            <a:r>
+              <a:rPr lang="en-GB" sz="700" dirty="0">
                 <a:latin typeface="Courier New" panose="02070309020205020404" pitchFamily="49" charset="0"/>
                 <a:cs typeface="Courier New" panose="02070309020205020404" pitchFamily="49" charset="0"/>
               </a:rPr>
-              <a:t>must apply correct </a:t>
-            </a:r>
-            <a:r>
-              <a:rPr lang="en-GB" sz="1200" b="1" dirty="0" smtClean="0">
+              <a:t>and </a:t>
+            </a:r>
+            <a:r>
+              <a:rPr lang="en-GB" sz="700" dirty="0" err="1">
                 <a:latin typeface="Courier New" panose="02070309020205020404" pitchFamily="49" charset="0"/>
                 <a:cs typeface="Courier New" panose="02070309020205020404" pitchFamily="49" charset="0"/>
               </a:rPr>
-              <a:t>Voltage</a:t>
-            </a:r>
-          </a:p>
-          <a:p>
-            <a:r>
-              <a:rPr lang="en-GB" sz="1200" b="1" dirty="0" smtClean="0">
+              <a:t>PICkit</a:t>
+            </a:r>
+            <a:r>
+              <a:rPr lang="en-GB" sz="700" dirty="0">
+                <a:latin typeface="Courier New" panose="02070309020205020404" pitchFamily="49" charset="0"/>
+                <a:cs typeface="Courier New" panose="02070309020205020404" pitchFamily="49" charset="0"/>
+              </a:rPr>
+              <a:t> 3 </a:t>
+            </a:r>
+            <a:endParaRPr lang="en-GB" sz="700" dirty="0" smtClean="0">
+              <a:latin typeface="Courier New" panose="02070309020205020404" pitchFamily="49" charset="0"/>
+              <a:cs typeface="Courier New" panose="02070309020205020404" pitchFamily="49" charset="0"/>
+            </a:endParaRPr>
+          </a:p>
+          <a:p>
+            <a:pPr marL="228600" indent="-228600">
+              <a:buAutoNum type="arabicPeriod"/>
+            </a:pPr>
+            <a:r>
+              <a:rPr lang="en-GB" sz="700" dirty="0" err="1" smtClean="0">
+                <a:latin typeface="Courier New" panose="02070309020205020404" pitchFamily="49" charset="0"/>
+                <a:cs typeface="Courier New" panose="02070309020205020404" pitchFamily="49" charset="0"/>
+              </a:rPr>
+              <a:t>PICkit</a:t>
+            </a:r>
+            <a:r>
+              <a:rPr lang="en-GB" sz="700" dirty="0" smtClean="0">
                 <a:latin typeface="Courier New" panose="02070309020205020404" pitchFamily="49" charset="0"/>
                 <a:cs typeface="Courier New" panose="02070309020205020404" pitchFamily="49" charset="0"/>
               </a:rPr>
               <a:t> </a:t>
             </a:r>
             <a:r>
-              <a:rPr lang="en-GB" sz="1200" b="1" dirty="0">
+              <a:rPr lang="en-GB" sz="700" dirty="0">
                 <a:latin typeface="Courier New" panose="02070309020205020404" pitchFamily="49" charset="0"/>
                 <a:cs typeface="Courier New" panose="02070309020205020404" pitchFamily="49" charset="0"/>
               </a:rPr>
-              <a:t>  </a:t>
-            </a:r>
-          </a:p>
-          <a:p>
-            <a:r>
-              <a:rPr lang="en-GB" sz="1200" b="1" dirty="0">
+              <a:t>Serial Connector for analysis of serial communications peripherals such as SPI or I2C™ </a:t>
+            </a:r>
+            <a:endParaRPr lang="en-GB" sz="700" dirty="0" smtClean="0">
+              <a:latin typeface="Courier New" panose="02070309020205020404" pitchFamily="49" charset="0"/>
+              <a:cs typeface="Courier New" panose="02070309020205020404" pitchFamily="49" charset="0"/>
+            </a:endParaRPr>
+          </a:p>
+          <a:p>
+            <a:pPr marL="228600" indent="-228600">
+              <a:buAutoNum type="arabicPeriod"/>
+            </a:pPr>
+            <a:r>
+              <a:rPr lang="en-GB" sz="700" dirty="0" smtClean="0">
                 <a:latin typeface="Courier New" panose="02070309020205020404" pitchFamily="49" charset="0"/>
                 <a:cs typeface="Courier New" panose="02070309020205020404" pitchFamily="49" charset="0"/>
               </a:rPr>
-              <a:t>    ------------------</a:t>
-            </a:r>
-            <a:r>
-              <a:rPr lang="en-GB" sz="1200" b="1" dirty="0" smtClean="0">
+              <a:t>5 k </a:t>
+            </a:r>
+            <a:r>
+              <a:rPr lang="en-GB" sz="700" dirty="0">
                 <a:latin typeface="Courier New" panose="02070309020205020404" pitchFamily="49" charset="0"/>
                 <a:cs typeface="Courier New" panose="02070309020205020404" pitchFamily="49" charset="0"/>
               </a:rPr>
-              <a:t>PORTE-</a:t>
-            </a:r>
-            <a:r>
-              <a:rPr lang="en-GB" sz="1200" b="1" dirty="0">
+              <a:t>pot for devices with </a:t>
+            </a:r>
+            <a:r>
+              <a:rPr lang="en-GB" sz="700" dirty="0" err="1">
                 <a:latin typeface="Courier New" panose="02070309020205020404" pitchFamily="49" charset="0"/>
                 <a:cs typeface="Courier New" panose="02070309020205020404" pitchFamily="49" charset="0"/>
               </a:rPr>
-              <a:t>----------------</a:t>
-            </a:r>
-          </a:p>
-          <a:p>
-            <a:r>
-              <a:rPr lang="en-GB" sz="1200" b="1" dirty="0">
+              <a:t>analog</a:t>
+            </a:r>
+            <a:r>
+              <a:rPr lang="en-GB" sz="700" dirty="0">
                 <a:latin typeface="Courier New" panose="02070309020205020404" pitchFamily="49" charset="0"/>
                 <a:cs typeface="Courier New" panose="02070309020205020404" pitchFamily="49" charset="0"/>
               </a:rPr>
-              <a:t>    Bit#:  </a:t>
-            </a:r>
-            <a:r>
-              <a:rPr lang="en-GB" sz="1200" b="1" dirty="0" smtClean="0">
+              <a:t> inputs </a:t>
+            </a:r>
+            <a:endParaRPr lang="en-GB" sz="700" dirty="0" smtClean="0">
+              <a:latin typeface="Courier New" panose="02070309020205020404" pitchFamily="49" charset="0"/>
+              <a:cs typeface="Courier New" panose="02070309020205020404" pitchFamily="49" charset="0"/>
+            </a:endParaRPr>
+          </a:p>
+          <a:p>
+            <a:pPr marL="228600" indent="-228600">
+              <a:buAutoNum type="arabicPeriod"/>
+            </a:pPr>
+            <a:r>
+              <a:rPr lang="en-GB" sz="700" dirty="0" smtClean="0">
                 <a:latin typeface="Courier New" panose="02070309020205020404" pitchFamily="49" charset="0"/>
                 <a:cs typeface="Courier New" panose="02070309020205020404" pitchFamily="49" charset="0"/>
               </a:rPr>
-              <a:t>-----------------</a:t>
-            </a:r>
-            <a:r>
-              <a:rPr lang="en-GB" sz="1200" b="1" dirty="0">
+              <a:t>Three </a:t>
+            </a:r>
+            <a:r>
+              <a:rPr lang="en-GB" sz="700" dirty="0">
                 <a:latin typeface="Courier New" panose="02070309020205020404" pitchFamily="49" charset="0"/>
                 <a:cs typeface="Courier New" panose="02070309020205020404" pitchFamily="49" charset="0"/>
               </a:rPr>
-              <a:t>3-</a:t>
-            </a:r>
-            <a:r>
-              <a:rPr lang="en-GB" sz="1200" b="1" dirty="0" smtClean="0">
+              <a:t>push button switches for external stimulus and Reset </a:t>
+            </a:r>
+            <a:endParaRPr lang="en-GB" sz="700" dirty="0" smtClean="0">
+              <a:latin typeface="Courier New" panose="02070309020205020404" pitchFamily="49" charset="0"/>
+              <a:cs typeface="Courier New" panose="02070309020205020404" pitchFamily="49" charset="0"/>
+            </a:endParaRPr>
+          </a:p>
+          <a:p>
+            <a:pPr marL="228600" indent="-228600">
+              <a:buAutoNum type="arabicPeriod"/>
+            </a:pPr>
+            <a:r>
+              <a:rPr lang="en-GB" sz="700" dirty="0" smtClean="0">
                 <a:latin typeface="Courier New" panose="02070309020205020404" pitchFamily="49" charset="0"/>
                 <a:cs typeface="Courier New" panose="02070309020205020404" pitchFamily="49" charset="0"/>
               </a:rPr>
-              <a:t>--------------</a:t>
-            </a:r>
-            <a:endParaRPr lang="en-GB" sz="1200" b="1" dirty="0">
+              <a:t>Power-on </a:t>
+            </a:r>
+            <a:r>
+              <a:rPr lang="en-GB" sz="700" dirty="0">
+                <a:latin typeface="Courier New" panose="02070309020205020404" pitchFamily="49" charset="0"/>
+                <a:cs typeface="Courier New" panose="02070309020205020404" pitchFamily="49" charset="0"/>
+              </a:rPr>
+              <a:t>indicator LED </a:t>
+            </a:r>
+            <a:endParaRPr lang="en-GB" sz="700" dirty="0" smtClean="0">
               <a:latin typeface="Courier New" panose="02070309020205020404" pitchFamily="49" charset="0"/>
               <a:cs typeface="Courier New" panose="02070309020205020404" pitchFamily="49" charset="0"/>
             </a:endParaRPr>
           </a:p>
           <a:p>
-            <a:r>
-              <a:rPr lang="en-GB" sz="1200" b="1" dirty="0">
+            <a:pPr marL="228600" indent="-228600">
+              <a:buAutoNum type="arabicPeriod"/>
+            </a:pPr>
+            <a:r>
+              <a:rPr lang="en-GB" sz="700" dirty="0" smtClean="0">
                 <a:latin typeface="Courier New" panose="02070309020205020404" pitchFamily="49" charset="0"/>
                 <a:cs typeface="Courier New" panose="02070309020205020404" pitchFamily="49" charset="0"/>
               </a:rPr>
-              <a:t>    IO:    </a:t>
-            </a:r>
-            <a:r>
-              <a:rPr lang="en-GB" sz="1200" b="1" dirty="0" smtClean="0">
+              <a:t>Four </a:t>
+            </a:r>
+            <a:r>
+              <a:rPr lang="en-GB" sz="700" dirty="0">
                 <a:latin typeface="Courier New" panose="02070309020205020404" pitchFamily="49" charset="0"/>
                 <a:cs typeface="Courier New" panose="02070309020205020404" pitchFamily="49" charset="0"/>
               </a:rPr>
-              <a:t>----------------SW---------------</a:t>
-            </a:r>
-            <a:endParaRPr lang="en-GB" sz="1200" b="1" dirty="0">
+              <a:t>LEDs connected to PORTB </a:t>
+            </a:r>
+            <a:endParaRPr lang="en-GB" sz="700" dirty="0" smtClean="0">
               <a:latin typeface="Courier New" panose="02070309020205020404" pitchFamily="49" charset="0"/>
               <a:cs typeface="Courier New" panose="02070309020205020404" pitchFamily="49" charset="0"/>
             </a:endParaRPr>
           </a:p>
+          <a:p>
+            <a:pPr marL="228600" indent="-228600">
+              <a:buAutoNum type="arabicPeriod"/>
+            </a:pPr>
+            <a:r>
+              <a:rPr lang="en-GB" sz="700" dirty="0" smtClean="0">
+                <a:latin typeface="Courier New" panose="02070309020205020404" pitchFamily="49" charset="0"/>
+                <a:cs typeface="Courier New" panose="02070309020205020404" pitchFamily="49" charset="0"/>
+              </a:rPr>
+              <a:t>On-board </a:t>
+            </a:r>
+            <a:r>
+              <a:rPr lang="en-GB" sz="700" dirty="0">
+                <a:latin typeface="Courier New" panose="02070309020205020404" pitchFamily="49" charset="0"/>
+                <a:cs typeface="Courier New" panose="02070309020205020404" pitchFamily="49" charset="0"/>
+              </a:rPr>
+              <a:t>external oscillators including: a) Unpopulated DIP socket for canned crystal oscillator (Y2) b) RC oscillator circuit (R4, C3) c) Unpopulated holes for crystal connection (Y1) d) 32.768 kHz crystal for Timer1 clock operation (Y3</a:t>
+            </a:r>
+            <a:r>
+              <a:rPr lang="en-GB" sz="700" dirty="0" smtClean="0">
+                <a:latin typeface="Courier New" panose="02070309020205020404" pitchFamily="49" charset="0"/>
+                <a:cs typeface="Courier New" panose="02070309020205020404" pitchFamily="49" charset="0"/>
+              </a:rPr>
+              <a:t>)</a:t>
+            </a:r>
+          </a:p>
+          <a:p>
+            <a:pPr marL="228600" indent="-228600">
+              <a:buAutoNum type="arabicPeriod"/>
+            </a:pPr>
+            <a:r>
+              <a:rPr lang="en-GB" sz="700" dirty="0">
+                <a:latin typeface="Courier New" panose="02070309020205020404" pitchFamily="49" charset="0"/>
+                <a:cs typeface="Courier New" panose="02070309020205020404" pitchFamily="49" charset="0"/>
+              </a:rPr>
+              <a:t>32K x 8 Serial EEPROM</a:t>
+            </a:r>
+          </a:p>
+          <a:p>
+            <a:pPr marL="228600" indent="-228600">
+              <a:buAutoNum type="arabicPeriod"/>
+            </a:pPr>
+            <a:r>
+              <a:rPr lang="en-GB" sz="700" dirty="0" smtClean="0">
+                <a:latin typeface="Courier New" panose="02070309020205020404" pitchFamily="49" charset="0"/>
+                <a:cs typeface="Courier New" panose="02070309020205020404" pitchFamily="49" charset="0"/>
+              </a:rPr>
+              <a:t>LCD </a:t>
+            </a:r>
+            <a:r>
+              <a:rPr lang="en-GB" sz="700" dirty="0">
+                <a:latin typeface="Courier New" panose="02070309020205020404" pitchFamily="49" charset="0"/>
+                <a:cs typeface="Courier New" panose="02070309020205020404" pitchFamily="49" charset="0"/>
+              </a:rPr>
+              <a:t>display</a:t>
+            </a:r>
+          </a:p>
+          <a:p>
+            <a:pPr marL="228600" indent="-228600">
+              <a:buAutoNum type="arabicPeriod"/>
+            </a:pPr>
+            <a:r>
+              <a:rPr lang="en-GB" sz="700" dirty="0" smtClean="0">
+                <a:latin typeface="Courier New" panose="02070309020205020404" pitchFamily="49" charset="0"/>
+                <a:cs typeface="Courier New" panose="02070309020205020404" pitchFamily="49" charset="0"/>
+              </a:rPr>
+              <a:t>Piezo </a:t>
+            </a:r>
+            <a:r>
+              <a:rPr lang="en-GB" sz="700" dirty="0">
+                <a:latin typeface="Courier New" panose="02070309020205020404" pitchFamily="49" charset="0"/>
+                <a:cs typeface="Courier New" panose="02070309020205020404" pitchFamily="49" charset="0"/>
+              </a:rPr>
+              <a:t>buzzer</a:t>
+            </a:r>
+          </a:p>
+          <a:p>
+            <a:pPr marL="228600" indent="-228600">
+              <a:buAutoNum type="arabicPeriod"/>
+            </a:pPr>
+            <a:r>
+              <a:rPr lang="en-GB" sz="700" dirty="0" smtClean="0">
+                <a:latin typeface="Courier New" panose="02070309020205020404" pitchFamily="49" charset="0"/>
+                <a:cs typeface="Courier New" panose="02070309020205020404" pitchFamily="49" charset="0"/>
+              </a:rPr>
+              <a:t>Prototype </a:t>
+            </a:r>
+            <a:r>
+              <a:rPr lang="en-GB" sz="700" dirty="0">
+                <a:latin typeface="Courier New" panose="02070309020205020404" pitchFamily="49" charset="0"/>
+                <a:cs typeface="Courier New" panose="02070309020205020404" pitchFamily="49" charset="0"/>
+              </a:rPr>
+              <a:t>area for user hardware</a:t>
+            </a:r>
+          </a:p>
+          <a:p>
+            <a:pPr marL="228600" indent="-228600">
+              <a:buAutoNum type="arabicPeriod"/>
+            </a:pPr>
+            <a:r>
+              <a:rPr lang="en-GB" sz="700" dirty="0" smtClean="0">
+                <a:latin typeface="Courier New" panose="02070309020205020404" pitchFamily="49" charset="0"/>
+                <a:cs typeface="Courier New" panose="02070309020205020404" pitchFamily="49" charset="0"/>
+              </a:rPr>
+              <a:t>Expansion </a:t>
+            </a:r>
+            <a:r>
+              <a:rPr lang="en-GB" sz="700" dirty="0">
+                <a:latin typeface="Courier New" panose="02070309020205020404" pitchFamily="49" charset="0"/>
+                <a:cs typeface="Courier New" panose="02070309020205020404" pitchFamily="49" charset="0"/>
+              </a:rPr>
+              <a:t>Header for </a:t>
+            </a:r>
+            <a:r>
+              <a:rPr lang="en-GB" sz="700" dirty="0" err="1">
+                <a:latin typeface="Courier New" panose="02070309020205020404" pitchFamily="49" charset="0"/>
+                <a:cs typeface="Courier New" panose="02070309020205020404" pitchFamily="49" charset="0"/>
+              </a:rPr>
+              <a:t>PICtail</a:t>
+            </a:r>
+            <a:r>
+              <a:rPr lang="en-GB" sz="700" dirty="0">
+                <a:latin typeface="Courier New" panose="02070309020205020404" pitchFamily="49" charset="0"/>
+                <a:cs typeface="Courier New" panose="02070309020205020404" pitchFamily="49" charset="0"/>
+              </a:rPr>
+              <a:t>™ daughter card connectivity or user access to</a:t>
+            </a:r>
+          </a:p>
+          <a:p>
+            <a:pPr marL="228600" indent="-228600">
+              <a:buAutoNum type="arabicPeriod"/>
+            </a:pPr>
+            <a:r>
+              <a:rPr lang="en-GB" sz="700" dirty="0" smtClean="0">
+                <a:latin typeface="Courier New" panose="02070309020205020404" pitchFamily="49" charset="0"/>
+                <a:cs typeface="Courier New" panose="02070309020205020404" pitchFamily="49" charset="0"/>
+              </a:rPr>
+              <a:t>MCUs</a:t>
+            </a:r>
+            <a:endParaRPr lang="en-GB" sz="700" dirty="0">
+              <a:latin typeface="Courier New" panose="02070309020205020404" pitchFamily="49" charset="0"/>
+              <a:cs typeface="Courier New" panose="02070309020205020404" pitchFamily="49" charset="0"/>
+            </a:endParaRPr>
+          </a:p>
+          <a:p>
+            <a:pPr marL="228600" indent="-228600">
+              <a:buAutoNum type="arabicPeriod"/>
+            </a:pPr>
+            <a:r>
+              <a:rPr lang="en-GB" sz="700" dirty="0" smtClean="0">
+                <a:latin typeface="Courier New" panose="02070309020205020404" pitchFamily="49" charset="0"/>
+                <a:cs typeface="Courier New" panose="02070309020205020404" pitchFamily="49" charset="0"/>
+              </a:rPr>
+              <a:t>Microchip </a:t>
+            </a:r>
+            <a:r>
+              <a:rPr lang="en-GB" sz="700" dirty="0">
+                <a:latin typeface="Courier New" panose="02070309020205020404" pitchFamily="49" charset="0"/>
+                <a:cs typeface="Courier New" panose="02070309020205020404" pitchFamily="49" charset="0"/>
+              </a:rPr>
+              <a:t>TC74 thermal sensor</a:t>
+            </a:r>
+          </a:p>
+        </p:txBody>
+      </p:sp>
+      <p:sp>
+        <p:nvSpPr>
+          <p:cNvPr id="3" name="Oval 2"/>
+          <p:cNvSpPr/>
+          <p:nvPr/>
+        </p:nvSpPr>
+        <p:spPr>
+          <a:xfrm>
+            <a:off x="1460844" y="2355725"/>
+            <a:ext cx="288032" cy="391739"/>
+          </a:xfrm>
+          <a:prstGeom prst="ellipse">
+            <a:avLst/>
+          </a:prstGeom>
+          <a:noFill/>
+          <a:ln>
+            <a:solidFill>
+              <a:srgbClr val="FF0000"/>
+            </a:solidFill>
+          </a:ln>
+        </p:spPr>
+        <p:style>
+          <a:lnRef idx="2">
+            <a:schemeClr val="accent1">
+              <a:shade val="50000"/>
+            </a:schemeClr>
+          </a:lnRef>
+          <a:fillRef idx="1">
+            <a:schemeClr val="accent1"/>
+          </a:fillRef>
+          <a:effectRef idx="0">
+            <a:schemeClr val="accent1"/>
+          </a:effectRef>
+          <a:fontRef idx="minor">
+            <a:schemeClr val="lt1"/>
+          </a:fontRef>
+        </p:style>
+        <p:txBody>
+          <a:bodyPr rtlCol="0" anchor="ctr"/>
+          <a:lstStyle/>
+          <a:p>
+            <a:pPr algn="ctr"/>
+            <a:endParaRPr lang="en-GB"/>
+          </a:p>
         </p:txBody>
       </p:sp>
     </p:spTree>
+    <p:extLst>
+      <p:ext uri="{BB962C8B-B14F-4D97-AF65-F5344CB8AC3E}">
+        <p14:creationId xmlns:p14="http://schemas.microsoft.com/office/powerpoint/2010/main" val="3776655880"/>
+      </p:ext>
+    </p:extLst>
   </p:cSld>
   <p:clrMapOvr>
     <a:masterClrMapping/>
@@ -13082,7 +12266,7 @@
 </file>
 
 <file path=ppt/slides/slide9.xml><?xml version="1.0" encoding="utf-8"?>
-<p:sld xmlns:a="http://schemas.openxmlformats.org/drawingml/2006/main" xmlns:r="http://schemas.openxmlformats.org/officeDocument/2006/relationships" xmlns:p="http://schemas.openxmlformats.org/presentationml/2006/main" show="0">
+<p:sld xmlns:a="http://schemas.openxmlformats.org/drawingml/2006/main" xmlns:r="http://schemas.openxmlformats.org/officeDocument/2006/relationships" xmlns:p="http://schemas.openxmlformats.org/presentationml/2006/main">
   <p:cSld>
     <p:spTree>
       <p:nvGrpSpPr>
@@ -13113,82 +12297,407 @@
           <a:bodyPr/>
           <a:lstStyle/>
           <a:p>
+            <a:pPr algn="l"/>
             <a:r>
               <a:rPr lang="en-GB" dirty="0" smtClean="0"/>
-              <a:t>Power Domain – VDDIO2</a:t>
+              <a:t>Hardware</a:t>
             </a:r>
             <a:endParaRPr lang="en-GB" dirty="0"/>
           </a:p>
         </p:txBody>
       </p:sp>
-      <p:pic>
-        <p:nvPicPr>
-          <p:cNvPr id="4" name="Picture 2"/>
-          <p:cNvPicPr>
-            <a:picLocks noChangeAspect="1" noChangeArrowheads="1"/>
-          </p:cNvPicPr>
+      <p:sp>
+        <p:nvSpPr>
+          <p:cNvPr id="3" name="Content Placeholder 2"/>
+          <p:cNvSpPr>
+            <a:spLocks noGrp="1"/>
+          </p:cNvSpPr>
+          <p:nvPr>
+            <p:ph idx="1"/>
+          </p:nvPr>
+        </p:nvSpPr>
+        <p:spPr/>
+        <p:txBody>
+          <a:bodyPr/>
+          <a:lstStyle/>
+          <a:p>
+            <a:r>
+              <a:rPr lang="en-GB" dirty="0" smtClean="0"/>
+              <a:t>Prototype Board</a:t>
+            </a:r>
+            <a:endParaRPr lang="en-GB" dirty="0"/>
+          </a:p>
+          <a:p>
+            <a:r>
+              <a:rPr lang="en-GB" dirty="0" smtClean="0"/>
+              <a:t>Power 5v0</a:t>
+            </a:r>
+          </a:p>
+          <a:p>
+            <a:r>
+              <a:rPr lang="en-GB" dirty="0" smtClean="0"/>
+              <a:t>Programmer</a:t>
+            </a:r>
+          </a:p>
+          <a:p>
+            <a:r>
+              <a:rPr lang="en-GB" dirty="0" smtClean="0"/>
+              <a:t>LEDs &amp; resistors</a:t>
+            </a:r>
+          </a:p>
+          <a:p>
+            <a:r>
+              <a:rPr lang="en-GB" dirty="0" smtClean="0"/>
+              <a:t>Switches</a:t>
+            </a:r>
+          </a:p>
+          <a:p>
+            <a:r>
+              <a:rPr lang="en-GB" dirty="0" smtClean="0"/>
+              <a:t>TTL/USB</a:t>
+            </a:r>
+          </a:p>
+          <a:p>
+            <a:r>
+              <a:rPr lang="en-GB" dirty="0" smtClean="0"/>
+              <a:t>LCD</a:t>
+            </a:r>
+          </a:p>
+          <a:p>
+            <a:endParaRPr lang="en-GB" dirty="0"/>
+          </a:p>
+        </p:txBody>
+      </p:sp>
+      <p:sp>
+        <p:nvSpPr>
+          <p:cNvPr id="5" name="TextBox 4"/>
+          <p:cNvSpPr txBox="1"/>
           <p:nvPr/>
-        </p:nvPicPr>
-        <p:blipFill>
-          <a:blip r:embed="rId2">
-            <a:extLst>
-              <a:ext uri="{28A0092B-C50C-407E-A947-70E740481C1C}">
-                <a14:useLocalDpi xmlns:a14="http://schemas.microsoft.com/office/drawing/2010/main" val="0"/>
-              </a:ext>
-            </a:extLst>
-          </a:blip>
-          <a:srcRect/>
-          <a:stretch>
-            <a:fillRect/>
-          </a:stretch>
-        </p:blipFill>
-        <p:spPr bwMode="auto">
+        </p:nvSpPr>
+        <p:spPr>
           <a:xfrm>
-            <a:off x="2884410" y="1419622"/>
-            <a:ext cx="3973716" cy="3469327"/>
+            <a:off x="2206278" y="168176"/>
+            <a:ext cx="5328592" cy="4893647"/>
           </a:xfrm>
           <a:prstGeom prst="rect">
             <a:avLst/>
           </a:prstGeom>
-          <a:noFill/>
-          <a:ln>
-            <a:noFill/>
-          </a:ln>
-          <a:effectLst/>
-          <a:extLst>
-            <a:ext uri="{909E8E84-426E-40DD-AFC4-6F175D3DCCD1}">
-              <a14:hiddenFill xmlns:a14="http://schemas.microsoft.com/office/drawing/2010/main">
-                <a:solidFill>
-                  <a:schemeClr val="accent1"/>
-                </a:solidFill>
-              </a14:hiddenFill>
-            </a:ext>
-            <a:ext uri="{91240B29-F687-4F45-9708-019B960494DF}">
-              <a14:hiddenLine xmlns:a14="http://schemas.microsoft.com/office/drawing/2010/main" w="9525">
-                <a:solidFill>
-                  <a:schemeClr val="tx1"/>
-                </a:solidFill>
-                <a:miter lim="800000"/>
-                <a:headEnd/>
-                <a:tailEnd/>
-              </a14:hiddenLine>
-            </a:ext>
-            <a:ext uri="{AF507438-7753-43E0-B8FC-AC1667EBCBE1}">
-              <a14:hiddenEffects xmlns:a14="http://schemas.microsoft.com/office/drawing/2010/main">
-                <a:effectLst>
-                  <a:outerShdw dist="35921" dir="2700000" algn="ctr" rotWithShape="0">
-                    <a:schemeClr val="bg2"/>
-                  </a:outerShdw>
-                </a:effectLst>
-              </a14:hiddenEffects>
-            </a:ext>
-          </a:extLst>
+          <a:solidFill>
+            <a:schemeClr val="bg1"/>
+          </a:solidFill>
         </p:spPr>
-      </p:pic>
+        <p:txBody>
+          <a:bodyPr wrap="square" rtlCol="0">
+            <a:spAutoFit/>
+          </a:bodyPr>
+          <a:lstStyle/>
+          <a:p>
+            <a:r>
+              <a:rPr lang="en-GB" sz="1200" b="1" dirty="0">
+                <a:latin typeface="Courier New" panose="02070309020205020404" pitchFamily="49" charset="0"/>
+                <a:cs typeface="Courier New" panose="02070309020205020404" pitchFamily="49" charset="0"/>
+              </a:rPr>
+              <a:t>    Hardware</a:t>
+            </a:r>
+          </a:p>
+          <a:p>
+            <a:r>
+              <a:rPr lang="en-GB" sz="1200" b="1" dirty="0">
+                <a:latin typeface="Courier New" panose="02070309020205020404" pitchFamily="49" charset="0"/>
+                <a:cs typeface="Courier New" panose="02070309020205020404" pitchFamily="49" charset="0"/>
+              </a:rPr>
+              <a:t> </a:t>
+            </a:r>
+            <a:r>
+              <a:rPr lang="en-GB" sz="1200" b="1" dirty="0" smtClean="0">
+                <a:latin typeface="Courier New" panose="02070309020205020404" pitchFamily="49" charset="0"/>
+                <a:cs typeface="Courier New" panose="02070309020205020404" pitchFamily="49" charset="0"/>
+              </a:rPr>
+              <a:t>           ------------</a:t>
+            </a:r>
+            <a:r>
+              <a:rPr lang="en-GB" sz="1200" b="1" dirty="0">
+                <a:latin typeface="Courier New" panose="02070309020205020404" pitchFamily="49" charset="0"/>
+                <a:cs typeface="Courier New" panose="02070309020205020404" pitchFamily="49" charset="0"/>
+              </a:rPr>
+              <a:t>PORTA---------------</a:t>
+            </a:r>
+          </a:p>
+          <a:p>
+            <a:r>
+              <a:rPr lang="en-GB" sz="1200" b="1" dirty="0">
+                <a:latin typeface="Courier New" panose="02070309020205020404" pitchFamily="49" charset="0"/>
+                <a:cs typeface="Courier New" panose="02070309020205020404" pitchFamily="49" charset="0"/>
+              </a:rPr>
+              <a:t>    Bit#:  -7---6---5---4---3---2---1---0---</a:t>
+            </a:r>
+          </a:p>
+          <a:p>
+            <a:r>
+              <a:rPr lang="en-GB" sz="1200" b="1" dirty="0">
+                <a:latin typeface="Courier New" panose="02070309020205020404" pitchFamily="49" charset="0"/>
+                <a:cs typeface="Courier New" panose="02070309020205020404" pitchFamily="49" charset="0"/>
+              </a:rPr>
+              <a:t>    IO:    </a:t>
+            </a:r>
+            <a:r>
+              <a:rPr lang="en-GB" sz="1200" b="1" dirty="0" smtClean="0">
+                <a:latin typeface="Courier New" panose="02070309020205020404" pitchFamily="49" charset="0"/>
+                <a:cs typeface="Courier New" panose="02070309020205020404" pitchFamily="49" charset="0"/>
+              </a:rPr>
+              <a:t>------------SW2-------------</a:t>
+            </a:r>
+            <a:r>
+              <a:rPr lang="en-GB" sz="1200" b="1" dirty="0">
+                <a:latin typeface="Courier New" panose="02070309020205020404" pitchFamily="49" charset="0"/>
+                <a:cs typeface="Courier New" panose="02070309020205020404" pitchFamily="49" charset="0"/>
+              </a:rPr>
+              <a:t>ADC--</a:t>
+            </a:r>
+          </a:p>
+          <a:p>
+            <a:r>
+              <a:rPr lang="en-GB" sz="1200" b="1" dirty="0">
+                <a:latin typeface="Courier New" panose="02070309020205020404" pitchFamily="49" charset="0"/>
+                <a:cs typeface="Courier New" panose="02070309020205020404" pitchFamily="49" charset="0"/>
+              </a:rPr>
+              <a:t>    IO:    ---------------------------------</a:t>
+            </a:r>
+          </a:p>
+          <a:p>
+            <a:endParaRPr lang="en-GB" sz="1200" b="1" dirty="0">
+              <a:latin typeface="Courier New" panose="02070309020205020404" pitchFamily="49" charset="0"/>
+              <a:cs typeface="Courier New" panose="02070309020205020404" pitchFamily="49" charset="0"/>
+            </a:endParaRPr>
+          </a:p>
+          <a:p>
+            <a:r>
+              <a:rPr lang="en-GB" sz="1200" b="1" dirty="0">
+                <a:latin typeface="Courier New" panose="02070309020205020404" pitchFamily="49" charset="0"/>
+                <a:cs typeface="Courier New" panose="02070309020205020404" pitchFamily="49" charset="0"/>
+              </a:rPr>
+              <a:t>            ------------PORTB----------------</a:t>
+            </a:r>
+          </a:p>
+          <a:p>
+            <a:r>
+              <a:rPr lang="en-GB" sz="1200" b="1" dirty="0">
+                <a:latin typeface="Courier New" panose="02070309020205020404" pitchFamily="49" charset="0"/>
+                <a:cs typeface="Courier New" panose="02070309020205020404" pitchFamily="49" charset="0"/>
+              </a:rPr>
+              <a:t>    Bit#:  -7---6---5---4---3---2---1---0---</a:t>
+            </a:r>
+          </a:p>
+          <a:p>
+            <a:r>
+              <a:rPr lang="en-GB" sz="1200" b="1" dirty="0">
+                <a:latin typeface="Courier New" panose="02070309020205020404" pitchFamily="49" charset="0"/>
+                <a:cs typeface="Courier New" panose="02070309020205020404" pitchFamily="49" charset="0"/>
+              </a:rPr>
+              <a:t>    IO:    ----------------LED-LED-LED-LED--</a:t>
+            </a:r>
+          </a:p>
+          <a:p>
+            <a:r>
+              <a:rPr lang="en-GB" sz="1200" b="1" dirty="0">
+                <a:latin typeface="Courier New" panose="02070309020205020404" pitchFamily="49" charset="0"/>
+                <a:cs typeface="Courier New" panose="02070309020205020404" pitchFamily="49" charset="0"/>
+              </a:rPr>
+              <a:t>    IO:    ---------------------------------</a:t>
+            </a:r>
+          </a:p>
+          <a:p>
+            <a:endParaRPr lang="en-GB" sz="1200" b="1" dirty="0">
+              <a:latin typeface="Courier New" panose="02070309020205020404" pitchFamily="49" charset="0"/>
+              <a:cs typeface="Courier New" panose="02070309020205020404" pitchFamily="49" charset="0"/>
+            </a:endParaRPr>
+          </a:p>
+          <a:p>
+            <a:r>
+              <a:rPr lang="en-GB" sz="1200" b="1" dirty="0">
+                <a:latin typeface="Courier New" panose="02070309020205020404" pitchFamily="49" charset="0"/>
+                <a:cs typeface="Courier New" panose="02070309020205020404" pitchFamily="49" charset="0"/>
+              </a:rPr>
+              <a:t>            ------------PORTC----------------</a:t>
+            </a:r>
+          </a:p>
+          <a:p>
+            <a:r>
+              <a:rPr lang="en-GB" sz="1200" b="1" dirty="0">
+                <a:latin typeface="Courier New" panose="02070309020205020404" pitchFamily="49" charset="0"/>
+                <a:cs typeface="Courier New" panose="02070309020205020404" pitchFamily="49" charset="0"/>
+              </a:rPr>
+              <a:t>    Bit#:  -7---6---5---4---3---2---1---0---</a:t>
+            </a:r>
+          </a:p>
+          <a:p>
+            <a:r>
+              <a:rPr lang="en-GB" sz="1200" b="1" dirty="0">
+                <a:latin typeface="Courier New" panose="02070309020205020404" pitchFamily="49" charset="0"/>
+                <a:cs typeface="Courier New" panose="02070309020205020404" pitchFamily="49" charset="0"/>
+              </a:rPr>
+              <a:t>    IO:    </a:t>
+            </a:r>
+            <a:r>
+              <a:rPr lang="en-GB" sz="1200" b="1" dirty="0" smtClean="0">
+                <a:latin typeface="Courier New" panose="02070309020205020404" pitchFamily="49" charset="0"/>
+                <a:cs typeface="Courier New" panose="02070309020205020404" pitchFamily="49" charset="0"/>
+              </a:rPr>
+              <a:t>----TX---------------------------</a:t>
+            </a:r>
+            <a:endParaRPr lang="en-GB" sz="1200" b="1" dirty="0">
+              <a:latin typeface="Courier New" panose="02070309020205020404" pitchFamily="49" charset="0"/>
+              <a:cs typeface="Courier New" panose="02070309020205020404" pitchFamily="49" charset="0"/>
+            </a:endParaRPr>
+          </a:p>
+          <a:p>
+            <a:r>
+              <a:rPr lang="en-GB" sz="1200" b="1" dirty="0">
+                <a:latin typeface="Courier New" panose="02070309020205020404" pitchFamily="49" charset="0"/>
+                <a:cs typeface="Courier New" panose="02070309020205020404" pitchFamily="49" charset="0"/>
+              </a:rPr>
+              <a:t>    IO:    ---------------------------------</a:t>
+            </a:r>
+          </a:p>
+          <a:p>
+            <a:endParaRPr lang="en-GB" sz="1200" b="1" dirty="0">
+              <a:latin typeface="Courier New" panose="02070309020205020404" pitchFamily="49" charset="0"/>
+              <a:cs typeface="Courier New" panose="02070309020205020404" pitchFamily="49" charset="0"/>
+            </a:endParaRPr>
+          </a:p>
+          <a:p>
+            <a:r>
+              <a:rPr lang="en-GB" sz="1200" b="1" dirty="0">
+                <a:latin typeface="Courier New" panose="02070309020205020404" pitchFamily="49" charset="0"/>
+                <a:cs typeface="Courier New" panose="02070309020205020404" pitchFamily="49" charset="0"/>
+              </a:rPr>
+              <a:t>            ------------PORTD----------------</a:t>
+            </a:r>
+          </a:p>
+          <a:p>
+            <a:r>
+              <a:rPr lang="en-GB" sz="1200" b="1" dirty="0">
+                <a:latin typeface="Courier New" panose="02070309020205020404" pitchFamily="49" charset="0"/>
+                <a:cs typeface="Courier New" panose="02070309020205020404" pitchFamily="49" charset="0"/>
+              </a:rPr>
+              <a:t>    Bit#:  -7---6---5---4---3---2---1---0---</a:t>
+            </a:r>
+          </a:p>
+          <a:p>
+            <a:r>
+              <a:rPr lang="en-GB" sz="1200" b="1" dirty="0">
+                <a:latin typeface="Courier New" panose="02070309020205020404" pitchFamily="49" charset="0"/>
+                <a:cs typeface="Courier New" panose="02070309020205020404" pitchFamily="49" charset="0"/>
+              </a:rPr>
+              <a:t>    IO:    </a:t>
+            </a:r>
+            <a:r>
+              <a:rPr lang="en-GB" sz="1200" b="1" dirty="0" smtClean="0">
+                <a:latin typeface="Courier New" panose="02070309020205020404" pitchFamily="49" charset="0"/>
+                <a:cs typeface="Courier New" panose="02070309020205020404" pitchFamily="49" charset="0"/>
+              </a:rPr>
+              <a:t>-PWR-EN-</a:t>
+            </a:r>
+            <a:r>
+              <a:rPr lang="en-GB" sz="1200" b="1" dirty="0">
+                <a:latin typeface="Courier New" panose="02070309020205020404" pitchFamily="49" charset="0"/>
+                <a:cs typeface="Courier New" panose="02070309020205020404" pitchFamily="49" charset="0"/>
+              </a:rPr>
+              <a:t>-RW--RS--</a:t>
+            </a:r>
+            <a:r>
+              <a:rPr lang="en-GB" sz="1200" b="1" dirty="0" smtClean="0">
+                <a:latin typeface="Courier New" panose="02070309020205020404" pitchFamily="49" charset="0"/>
+                <a:cs typeface="Courier New" panose="02070309020205020404" pitchFamily="49" charset="0"/>
+              </a:rPr>
+              <a:t>DB7-DB6-DB5-DB4-</a:t>
+            </a:r>
+          </a:p>
+          <a:p>
+            <a:r>
+              <a:rPr lang="en-GB" sz="1200" b="1" dirty="0" smtClean="0">
+                <a:latin typeface="Courier New" panose="02070309020205020404" pitchFamily="49" charset="0"/>
+                <a:cs typeface="Courier New" panose="02070309020205020404" pitchFamily="49" charset="0"/>
+              </a:rPr>
+              <a:t>    </a:t>
+            </a:r>
+            <a:r>
+              <a:rPr lang="en-GB" sz="1200" b="1" dirty="0">
+                <a:latin typeface="Courier New" panose="02070309020205020404" pitchFamily="49" charset="0"/>
+                <a:cs typeface="Courier New" panose="02070309020205020404" pitchFamily="49" charset="0"/>
+              </a:rPr>
+              <a:t>IO:    ---------------------------------</a:t>
+            </a:r>
+          </a:p>
+          <a:p>
+            <a:endParaRPr lang="en-GB" sz="1200" b="1" dirty="0">
+              <a:latin typeface="Courier New" panose="02070309020205020404" pitchFamily="49" charset="0"/>
+              <a:cs typeface="Courier New" panose="02070309020205020404" pitchFamily="49" charset="0"/>
+            </a:endParaRPr>
+          </a:p>
+          <a:p>
+            <a:r>
+              <a:rPr lang="en-GB" sz="1200" b="1" dirty="0">
+                <a:latin typeface="Courier New" panose="02070309020205020404" pitchFamily="49" charset="0"/>
+                <a:cs typeface="Courier New" panose="02070309020205020404" pitchFamily="49" charset="0"/>
+              </a:rPr>
+              <a:t>            ------------PORTE----------------</a:t>
+            </a:r>
+          </a:p>
+          <a:p>
+            <a:r>
+              <a:rPr lang="en-GB" sz="1200" b="1" dirty="0">
+                <a:latin typeface="Courier New" panose="02070309020205020404" pitchFamily="49" charset="0"/>
+                <a:cs typeface="Courier New" panose="02070309020205020404" pitchFamily="49" charset="0"/>
+              </a:rPr>
+              <a:t>    Bit#:  -7---6---5---4---3---2---1---0---</a:t>
+            </a:r>
+          </a:p>
+          <a:p>
+            <a:r>
+              <a:rPr lang="en-GB" sz="1200" b="1" dirty="0">
+                <a:latin typeface="Courier New" panose="02070309020205020404" pitchFamily="49" charset="0"/>
+                <a:cs typeface="Courier New" panose="02070309020205020404" pitchFamily="49" charset="0"/>
+              </a:rPr>
+              <a:t>    IO:    </a:t>
+            </a:r>
+            <a:r>
+              <a:rPr lang="en-GB" sz="1200" b="1" dirty="0" smtClean="0">
+                <a:latin typeface="Courier New" panose="02070309020205020404" pitchFamily="49" charset="0"/>
+                <a:cs typeface="Courier New" panose="02070309020205020404" pitchFamily="49" charset="0"/>
+              </a:rPr>
+              <a:t>----------------RST---------------</a:t>
+            </a:r>
+            <a:endParaRPr lang="en-GB" sz="1200" b="1" dirty="0">
+              <a:latin typeface="Courier New" panose="02070309020205020404" pitchFamily="49" charset="0"/>
+              <a:cs typeface="Courier New" panose="02070309020205020404" pitchFamily="49" charset="0"/>
+            </a:endParaRPr>
+          </a:p>
+          <a:p>
+            <a:r>
+              <a:rPr lang="en-GB" sz="1200" b="1" dirty="0">
+                <a:latin typeface="Courier New" panose="02070309020205020404" pitchFamily="49" charset="0"/>
+                <a:cs typeface="Courier New" panose="02070309020205020404" pitchFamily="49" charset="0"/>
+              </a:rPr>
+              <a:t>    IO:    ---------------------------------</a:t>
+            </a:r>
+            <a:br>
+              <a:rPr lang="en-GB" sz="1200" b="1" dirty="0">
+                <a:latin typeface="Courier New" panose="02070309020205020404" pitchFamily="49" charset="0"/>
+                <a:cs typeface="Courier New" panose="02070309020205020404" pitchFamily="49" charset="0"/>
+              </a:rPr>
+            </a:br>
+            <a:endParaRPr lang="en-GB" sz="1200" b="1" dirty="0">
+              <a:latin typeface="Courier New" panose="02070309020205020404" pitchFamily="49" charset="0"/>
+              <a:cs typeface="Courier New" panose="02070309020205020404" pitchFamily="49" charset="0"/>
+            </a:endParaRPr>
+          </a:p>
+        </p:txBody>
+      </p:sp>
     </p:spTree>
     <p:extLst>
       <p:ext uri="{BB962C8B-B14F-4D97-AF65-F5344CB8AC3E}">
-        <p14:creationId xmlns:p14="http://schemas.microsoft.com/office/powerpoint/2010/main" val="1947181573"/>
+        <p14:creationId xmlns:p14="http://schemas.microsoft.com/office/powerpoint/2010/main" val="2064934290"/>
       </p:ext>
     </p:extLst>
   </p:cSld>
@@ -13974,47 +13483,4 @@
   <a:objectDefaults/>
   <a:extraClrSchemeLst/>
 </a:theme>
-</file>
-
-<file path=ppt/theme/themeOverride1.xml><?xml version="1.0" encoding="utf-8"?>
-<a:themeOverride xmlns:a="http://schemas.openxmlformats.org/drawingml/2006/main">
-  <a:clrScheme name="Blue">
-    <a:dk1>
-      <a:sysClr val="windowText" lastClr="000000"/>
-    </a:dk1>
-    <a:lt1>
-      <a:sysClr val="window" lastClr="FFFFFF"/>
-    </a:lt1>
-    <a:dk2>
-      <a:srgbClr val="17406D"/>
-    </a:dk2>
-    <a:lt2>
-      <a:srgbClr val="DBEFF9"/>
-    </a:lt2>
-    <a:accent1>
-      <a:srgbClr val="0F6FC6"/>
-    </a:accent1>
-    <a:accent2>
-      <a:srgbClr val="009DD9"/>
-    </a:accent2>
-    <a:accent3>
-      <a:srgbClr val="0BD0D9"/>
-    </a:accent3>
-    <a:accent4>
-      <a:srgbClr val="10CF9B"/>
-    </a:accent4>
-    <a:accent5>
-      <a:srgbClr val="7CCA62"/>
-    </a:accent5>
-    <a:accent6>
-      <a:srgbClr val="A5C249"/>
-    </a:accent6>
-    <a:hlink>
-      <a:srgbClr val="F49100"/>
-    </a:hlink>
-    <a:folHlink>
-      <a:srgbClr val="85DFD0"/>
-    </a:folHlink>
-  </a:clrScheme>
-</a:themeOverride>
 </file>